--- a/Vue3.pptx
+++ b/Vue3.pptx
@@ -15,19 +15,21 @@
     <p:sldId id="259" r:id="rId8"/>
     <p:sldId id="262" r:id="rId9"/>
     <p:sldId id="263" r:id="rId10"/>
-    <p:sldId id="264" r:id="rId11"/>
-    <p:sldId id="267" r:id="rId12"/>
-    <p:sldId id="268" r:id="rId13"/>
-    <p:sldId id="269" r:id="rId14"/>
-    <p:sldId id="270" r:id="rId15"/>
-    <p:sldId id="271" r:id="rId16"/>
-    <p:sldId id="265" r:id="rId17"/>
-    <p:sldId id="266" r:id="rId18"/>
+    <p:sldId id="274" r:id="rId11"/>
+    <p:sldId id="264" r:id="rId12"/>
+    <p:sldId id="267" r:id="rId13"/>
+    <p:sldId id="268" r:id="rId14"/>
+    <p:sldId id="269" r:id="rId15"/>
+    <p:sldId id="270" r:id="rId16"/>
+    <p:sldId id="271" r:id="rId17"/>
+    <p:sldId id="265" r:id="rId18"/>
+    <p:sldId id="266" r:id="rId19"/>
+    <p:sldId id="275" r:id="rId20"/>
   </p:sldIdLst>
   <p:sldSz cx="9144000" cy="6858000" type="screen4x3"/>
   <p:notesSz cx="6858000" cy="9144000"/>
   <p:custDataLst>
-    <p:tags r:id="rId22"/>
+    <p:tags r:id="rId24"/>
   </p:custDataLst>
   <p:defaultTextStyle>
     <a:defPPr>
@@ -22299,6 +22301,35 @@
           </a:p>
         </p:txBody>
       </p:sp>
+      <p:sp>
+        <p:nvSpPr>
+          <p:cNvPr id="2" name="文本框 1"/>
+          <p:cNvSpPr txBox="1"/>
+          <p:nvPr/>
+        </p:nvSpPr>
+        <p:spPr>
+          <a:xfrm>
+            <a:off x="6804025" y="5445125"/>
+            <a:ext cx="1512570" cy="368300"/>
+          </a:xfrm>
+          <a:prstGeom prst="rect">
+            <a:avLst/>
+          </a:prstGeom>
+          <a:noFill/>
+        </p:spPr>
+        <p:txBody>
+          <a:bodyPr wrap="square" rtlCol="0">
+            <a:spAutoFit/>
+          </a:bodyPr>
+          <a:p>
+            <a:r>
+              <a:rPr lang="en-US" altLang="zh-CN"/>
+              <a:t>By Yukon</a:t>
+            </a:r>
+            <a:endParaRPr lang="en-US" altLang="zh-CN"/>
+          </a:p>
+        </p:txBody>
+      </p:sp>
     </p:spTree>
     <p:custDataLst>
       <p:tags r:id="rId2"/>
@@ -22332,7 +22363,7 @@
         </p:nvSpPr>
         <p:spPr>
           <a:xfrm>
-            <a:off x="502412" y="1051881"/>
+            <a:off x="502412" y="835981"/>
             <a:ext cx="8139178" cy="331473"/>
           </a:xfrm>
         </p:spPr>
@@ -22340,17 +22371,30 @@
           <a:bodyPr/>
           <a:p>
             <a:r>
-              <a:rPr lang="en-US" altLang="zh-CN"/>
+              <a:rPr lang="en-US" altLang="zh-CN">
+                <a:sym typeface="+mn-ea"/>
+              </a:rPr>
               <a:t>setup</a:t>
             </a:r>
             <a:r>
+              <a:rPr>
+                <a:sym typeface="+mn-ea"/>
+              </a:rPr>
               <a:t>替代</a:t>
             </a:r>
             <a:r>
-              <a:rPr lang="en-US" altLang="zh-CN"/>
-              <a:t>watch</a:t>
-            </a:r>
-            <a:endParaRPr lang="en-US" altLang="zh-CN"/>
+              <a:rPr lang="en-US" altLang="zh-CN">
+                <a:sym typeface="+mn-ea"/>
+              </a:rPr>
+              <a:t>computed</a:t>
+            </a:r>
+            <a:r>
+              <a:rPr>
+                <a:sym typeface="+mn-ea"/>
+              </a:rPr>
+              <a:t>选项</a:t>
+            </a:r>
+            <a:endParaRPr lang="zh-CN" altLang="en-US"/>
           </a:p>
         </p:txBody>
       </p:sp>
@@ -22370,43 +22414,93 @@
           <a:p>
             <a:r>
               <a:rPr lang="en-US" altLang="zh-CN"/>
-              <a:t>watch()</a:t>
+              <a:t>computed()</a:t>
+            </a:r>
+            <a:r>
+              <a:t>函数</a:t>
+            </a:r>
+          </a:p>
+          <a:p>
+            <a:r>
+              <a:t>返回一个不可变的</a:t>
+            </a:r>
+            <a:r>
+              <a:rPr lang="en-US" altLang="zh-CN"/>
+              <a:t>ref</a:t>
+            </a:r>
+            <a:r>
+              <a:t>对象</a:t>
+            </a:r>
+          </a:p>
+          <a:p>
+            <a:r>
+              <a:t>和之前</a:t>
+            </a:r>
+            <a:r>
+              <a:rPr lang="en-US" altLang="zh-CN"/>
+              <a:t>computed</a:t>
+            </a:r>
+            <a:r>
+              <a:t>一样</a:t>
+            </a:r>
+            <a:r>
+              <a:rPr lang="en-US" altLang="zh-CN"/>
+              <a:t> </a:t>
+            </a:r>
+            <a:r>
+              <a:t>也可以设置</a:t>
+            </a:r>
+            <a:r>
+              <a:rPr lang="en-US" altLang="zh-CN"/>
+              <a:t>setter</a:t>
             </a:r>
             <a:endParaRPr lang="en-US" altLang="zh-CN"/>
           </a:p>
           <a:p>
+            <a:pPr marL="0" indent="0">
+              <a:buNone/>
+            </a:pPr>
             <a:r>
               <a:rPr lang="en-US" altLang="zh-CN"/>
-              <a:t>watchEffect()</a:t>
-            </a:r>
-            <a:r>
-              <a:t>函数</a:t>
-            </a:r>
-          </a:p>
-          <a:p>
-            <a:r>
-              <a:t>并且他们的返回值可以终止这个</a:t>
-            </a:r>
+              <a:t>  computed( ( ) =&gt; count.value )</a:t>
+            </a:r>
+            <a:endParaRPr lang="en-US" altLang="zh-CN"/>
+          </a:p>
+          <a:p>
+            <a:pPr marL="0" indent="0">
+              <a:buNone/>
+            </a:pPr>
+            <a:endParaRPr lang="en-US" altLang="zh-CN"/>
+          </a:p>
+          <a:p>
+            <a:pPr marL="0" indent="0">
+              <a:buNone/>
+            </a:pPr>
             <a:r>
               <a:rPr lang="en-US" altLang="zh-CN"/>
-              <a:t>watch  </a:t>
-            </a:r>
-            <a:endParaRPr lang="en-US" altLang="zh-CN"/>
-          </a:p>
-          <a:p>
-            <a:r>
-              <a:t>像</a:t>
+              <a:t>  computed( { ( ) =&gt; c</a:t>
+            </a:r>
+            <a:r>
+              <a:rPr lang="en-US" altLang="zh-CN">
+                <a:sym typeface="+mn-ea"/>
+              </a:rPr>
+              <a:t>ount.value , (val) =&gt; { c</a:t>
+            </a:r>
+            <a:r>
+              <a:rPr lang="en-US" altLang="zh-CN">
+                <a:sym typeface="+mn-ea"/>
+              </a:rPr>
+              <a:t>ount.value = val </a:t>
+            </a:r>
+            <a:r>
+              <a:rPr lang="en-US" altLang="zh-CN">
+                <a:sym typeface="+mn-ea"/>
+              </a:rPr>
+              <a:t>} </a:t>
             </a:r>
             <a:r>
               <a:rPr lang="en-US" altLang="zh-CN"/>
-              <a:t>settimeout()</a:t>
-            </a:r>
-            <a:r>
-              <a:t>这个</a:t>
-            </a:r>
-            <a:r>
-              <a:rPr lang="en-US" altLang="zh-CN"/>
-              <a:t>api</a:t>
+              <a:t>} )</a:t>
             </a:r>
             <a:endParaRPr lang="en-US" altLang="zh-CN"/>
           </a:p>
@@ -22445,7 +22539,7 @@
         </p:nvSpPr>
         <p:spPr>
           <a:xfrm>
-            <a:off x="467487" y="260036"/>
+            <a:off x="502412" y="1051881"/>
             <a:ext cx="8139178" cy="331473"/>
           </a:xfrm>
         </p:spPr>
@@ -22453,52 +22547,242 @@
           <a:bodyPr/>
           <a:p>
             <a:r>
-              <a:rPr lang="en-US" altLang="zh-CN">
-                <a:sym typeface="+mn-ea"/>
-              </a:rPr>
+              <a:rPr lang="en-US" altLang="zh-CN"/>
               <a:t>setup</a:t>
             </a:r>
             <a:r>
-              <a:rPr>
-                <a:sym typeface="+mn-ea"/>
-              </a:rPr>
-              <a:t>替代生命周期钩子</a:t>
-            </a:r>
-            <a:endParaRPr>
-              <a:sym typeface="+mn-ea"/>
-            </a:endParaRPr>
-          </a:p>
-        </p:txBody>
-      </p:sp>
-      <p:pic>
-        <p:nvPicPr>
-          <p:cNvPr id="4" name="内容占位符 3"/>
-          <p:cNvPicPr>
-            <a:picLocks noChangeAspect="1"/>
-          </p:cNvPicPr>
+              <a:t>替代</a:t>
+            </a:r>
+            <a:r>
+              <a:rPr lang="en-US" altLang="zh-CN"/>
+              <a:t>watch</a:t>
+            </a:r>
+            <a:endParaRPr lang="en-US" altLang="zh-CN"/>
+          </a:p>
+        </p:txBody>
+      </p:sp>
+      <p:sp>
+        <p:nvSpPr>
+          <p:cNvPr id="3" name="内容占位符 2"/>
+          <p:cNvSpPr>
+            <a:spLocks noGrp="1"/>
+          </p:cNvSpPr>
           <p:nvPr>
             <p:ph idx="1"/>
           </p:nvPr>
-        </p:nvPicPr>
-        <p:blipFill>
-          <a:blip r:embed="rId1"/>
-          <a:stretch>
-            <a:fillRect/>
-          </a:stretch>
-        </p:blipFill>
-        <p:spPr>
-          <a:xfrm>
-            <a:off x="2339975" y="836295"/>
-            <a:ext cx="4156075" cy="5871210"/>
+        </p:nvSpPr>
+        <p:spPr>
+          <a:xfrm>
+            <a:off x="502285" y="1556385"/>
+            <a:ext cx="8139430" cy="4542155"/>
+          </a:xfrm>
+        </p:spPr>
+        <p:txBody>
+          <a:bodyPr/>
+          <a:p>
+            <a:r>
+              <a:rPr lang="en-US" altLang="zh-CN"/>
+              <a:t>watch()</a:t>
+            </a:r>
+            <a:endParaRPr lang="en-US" altLang="zh-CN"/>
+          </a:p>
+          <a:p>
+            <a:r>
+              <a:rPr lang="en-US" altLang="zh-CN"/>
+              <a:t>watchEffect()</a:t>
+            </a:r>
+            <a:r>
+              <a:t>函数</a:t>
+            </a:r>
+          </a:p>
+          <a:p>
+            <a:r>
+              <a:t>并且他们的返回值可以终止这个</a:t>
+            </a:r>
+            <a:r>
+              <a:rPr lang="en-US" altLang="zh-CN"/>
+              <a:t>watch  </a:t>
+            </a:r>
+            <a:endParaRPr lang="en-US" altLang="zh-CN"/>
+          </a:p>
+          <a:p>
+            <a:r>
+              <a:t>像</a:t>
+            </a:r>
+            <a:r>
+              <a:rPr lang="en-US" altLang="zh-CN"/>
+              <a:t>settimeout()</a:t>
+            </a:r>
+            <a:r>
+              <a:t>这个</a:t>
+            </a:r>
+            <a:r>
+              <a:rPr lang="en-US" altLang="zh-CN"/>
+              <a:t>api</a:t>
+            </a:r>
+            <a:endParaRPr lang="en-US" altLang="zh-CN"/>
+          </a:p>
+          <a:p>
+            <a:endParaRPr lang="en-US" altLang="zh-CN"/>
+          </a:p>
+          <a:p>
+            <a:endParaRPr lang="en-US" altLang="zh-CN"/>
+          </a:p>
+          <a:p>
+            <a:r>
+              <a:t>直接书写在</a:t>
+            </a:r>
+            <a:r>
+              <a:rPr lang="en-US" altLang="zh-CN"/>
+              <a:t>setup</a:t>
+            </a:r>
+            <a:r>
+              <a:t>里面</a:t>
+            </a:r>
+          </a:p>
+          <a:p>
+            <a:pPr marL="0" indent="0">
+              <a:buNone/>
+            </a:pPr>
+            <a:endParaRPr lang="en-US" altLang="zh-CN"/>
+          </a:p>
+          <a:p>
+            <a:endParaRPr lang="en-US" altLang="zh-CN"/>
+          </a:p>
+          <a:p>
+            <a:r>
+              <a:t>需要自己定义模板引用</a:t>
+            </a:r>
+          </a:p>
+        </p:txBody>
+      </p:sp>
+      <p:sp>
+        <p:nvSpPr>
+          <p:cNvPr id="4" name="标题 1"/>
+          <p:cNvSpPr>
+            <a:spLocks noGrp="1"/>
+          </p:cNvSpPr>
+          <p:nvPr/>
+        </p:nvSpPr>
+        <p:spPr>
+          <a:xfrm>
+            <a:off x="502412" y="3644586"/>
+            <a:ext cx="8139178" cy="331473"/>
           </a:xfrm>
           <a:prstGeom prst="rect">
             <a:avLst/>
           </a:prstGeom>
-        </p:spPr>
-      </p:pic>
+          <a:noFill/>
+          <a:ln w="9525">
+            <a:noFill/>
+          </a:ln>
+        </p:spPr>
+        <p:txBody>
+          <a:bodyPr vert="horz" lIns="101600" tIns="38100" rIns="76200" bIns="38100" rtlCol="0" anchor="t" anchorCtr="0">
+            <a:noAutofit/>
+          </a:bodyPr>
+          <a:lstStyle>
+            <a:lvl1pPr marL="0" marR="0" algn="l" defTabSz="914400" rtl="0" eaLnBrk="1" fontAlgn="auto" latinLnBrk="0" hangingPunct="1">
+              <a:lnSpc>
+                <a:spcPct val="100000"/>
+              </a:lnSpc>
+              <a:spcBef>
+                <a:spcPct val="0"/>
+              </a:spcBef>
+              <a:buNone/>
+              <a:defRPr kumimoji="0" lang="zh-CN" altLang="en-US" sz="2400" b="1" i="0" u="none" strike="noStrike" kern="1200" cap="none" spc="200" normalizeH="0" baseline="0" noProof="1" dirty="0">
+                <a:solidFill>
+                  <a:schemeClr val="accent1"/>
+                </a:solidFill>
+                <a:uFillTx/>
+                <a:latin typeface="Arial" panose="020B0604020202020204" pitchFamily="34" charset="0"/>
+                <a:ea typeface="微软雅黑" panose="020B0503020204020204" charset="-122"/>
+                <a:cs typeface="+mj-cs"/>
+                <a:sym typeface="+mn-ea"/>
+              </a:defRPr>
+            </a:lvl1pPr>
+          </a:lstStyle>
+          <a:p>
+            <a:r>
+              <a:rPr lang="en-US" altLang="zh-CN"/>
+              <a:t>setup</a:t>
+            </a:r>
+            <a:r>
+              <a:t>替代</a:t>
+            </a:r>
+            <a:r>
+              <a:rPr lang="en-US" altLang="zh-CN"/>
+              <a:t>methods</a:t>
+            </a:r>
+            <a:endParaRPr lang="en-US" altLang="zh-CN"/>
+          </a:p>
+        </p:txBody>
+      </p:sp>
+      <p:sp>
+        <p:nvSpPr>
+          <p:cNvPr id="5" name="标题 1"/>
+          <p:cNvSpPr>
+            <a:spLocks noGrp="1"/>
+          </p:cNvSpPr>
+          <p:nvPr/>
+        </p:nvSpPr>
+        <p:spPr>
+          <a:xfrm>
+            <a:off x="502412" y="4940621"/>
+            <a:ext cx="8139178" cy="331473"/>
+          </a:xfrm>
+          <a:prstGeom prst="rect">
+            <a:avLst/>
+          </a:prstGeom>
+          <a:noFill/>
+          <a:ln w="9525">
+            <a:noFill/>
+          </a:ln>
+        </p:spPr>
+        <p:txBody>
+          <a:bodyPr vert="horz" lIns="101600" tIns="38100" rIns="76200" bIns="38100" rtlCol="0" anchor="t" anchorCtr="0">
+            <a:noAutofit/>
+          </a:bodyPr>
+          <a:lstStyle>
+            <a:lvl1pPr marL="0" marR="0" algn="l" defTabSz="914400" rtl="0" eaLnBrk="1" fontAlgn="auto" latinLnBrk="0" hangingPunct="1">
+              <a:lnSpc>
+                <a:spcPct val="100000"/>
+              </a:lnSpc>
+              <a:spcBef>
+                <a:spcPct val="0"/>
+              </a:spcBef>
+              <a:buNone/>
+              <a:defRPr kumimoji="0" lang="zh-CN" altLang="en-US" sz="2400" b="1" i="0" u="none" strike="noStrike" kern="1200" cap="none" spc="200" normalizeH="0" baseline="0" noProof="1" dirty="0">
+                <a:solidFill>
+                  <a:schemeClr val="accent1"/>
+                </a:solidFill>
+                <a:uFillTx/>
+                <a:latin typeface="Arial" panose="020B0604020202020204" pitchFamily="34" charset="0"/>
+                <a:ea typeface="微软雅黑" panose="020B0503020204020204" charset="-122"/>
+                <a:cs typeface="+mj-cs"/>
+                <a:sym typeface="+mn-ea"/>
+              </a:defRPr>
+            </a:lvl1pPr>
+          </a:lstStyle>
+          <a:p>
+            <a:r>
+              <a:rPr lang="en-US" altLang="zh-CN"/>
+              <a:t>setup</a:t>
+            </a:r>
+            <a:r>
+              <a:t>替代</a:t>
+            </a:r>
+            <a:r>
+              <a:rPr lang="en-US" altLang="zh-CN"/>
+              <a:t>refs</a:t>
+            </a:r>
+            <a:endParaRPr lang="en-US" altLang="zh-CN"/>
+          </a:p>
+        </p:txBody>
+      </p:sp>
     </p:spTree>
     <p:custDataLst>
-      <p:tags r:id="rId2"/>
+      <p:tags r:id="rId1"/>
     </p:custDataLst>
   </p:cSld>
   <p:clrMapOvr>
@@ -22529,7 +22813,7 @@
         </p:nvSpPr>
         <p:spPr>
           <a:xfrm>
-            <a:off x="502412" y="475936"/>
+            <a:off x="467487" y="260036"/>
             <a:ext cx="8139178" cy="331473"/>
           </a:xfrm>
         </p:spPr>
@@ -22537,91 +22821,135 @@
           <a:bodyPr/>
           <a:p>
             <a:r>
+              <a:rPr lang="en-US" altLang="zh-CN">
+                <a:sym typeface="+mn-ea"/>
+              </a:rPr>
+              <a:t>setup</a:t>
+            </a:r>
+            <a:r>
+              <a:rPr>
+                <a:sym typeface="+mn-ea"/>
+              </a:rPr>
+              <a:t>替代生命周期钩子</a:t>
+            </a:r>
+            <a:endParaRPr>
+              <a:sym typeface="+mn-ea"/>
+            </a:endParaRPr>
+          </a:p>
+        </p:txBody>
+      </p:sp>
+      <p:pic>
+        <p:nvPicPr>
+          <p:cNvPr id="4" name="内容占位符 3"/>
+          <p:cNvPicPr>
+            <a:picLocks noChangeAspect="1"/>
+          </p:cNvPicPr>
+          <p:nvPr>
+            <p:ph idx="1"/>
+          </p:nvPr>
+        </p:nvPicPr>
+        <p:blipFill>
+          <a:blip r:embed="rId1"/>
+          <a:stretch>
+            <a:fillRect/>
+          </a:stretch>
+        </p:blipFill>
+        <p:spPr>
+          <a:xfrm>
+            <a:off x="395605" y="908685"/>
+            <a:ext cx="4156075" cy="5871210"/>
+          </a:xfrm>
+          <a:prstGeom prst="rect">
+            <a:avLst/>
+          </a:prstGeom>
+        </p:spPr>
+      </p:pic>
+      <p:sp>
+        <p:nvSpPr>
+          <p:cNvPr id="6" name="文本框 5"/>
+          <p:cNvSpPr txBox="1"/>
+          <p:nvPr/>
+        </p:nvSpPr>
+        <p:spPr>
+          <a:xfrm>
+            <a:off x="5080000" y="2425700"/>
+            <a:ext cx="3840480" cy="2030095"/>
+          </a:xfrm>
+          <a:prstGeom prst="rect">
+            <a:avLst/>
+          </a:prstGeom>
+          <a:noFill/>
+        </p:spPr>
+        <p:txBody>
+          <a:bodyPr wrap="square" rtlCol="0">
+            <a:spAutoFit/>
+          </a:bodyPr>
+          <a:p>
+            <a:r>
+              <a:rPr lang="zh-CN" altLang="en-US"/>
+              <a:t>任何使用</a:t>
+            </a:r>
+            <a:r>
               <a:rPr lang="en-US" altLang="zh-CN"/>
-              <a:t>03 </a:t>
-            </a:r>
-            <a:r>
-              <a:t>其他的特性</a:t>
-            </a:r>
-          </a:p>
-        </p:txBody>
-      </p:sp>
-      <p:sp>
-        <p:nvSpPr>
-          <p:cNvPr id="3" name="内容占位符 2"/>
-          <p:cNvSpPr>
-            <a:spLocks noGrp="1"/>
-          </p:cNvSpPr>
-          <p:nvPr>
-            <p:ph idx="1"/>
-          </p:nvPr>
-        </p:nvSpPr>
-        <p:spPr>
-          <a:xfrm>
-            <a:off x="502412" y="1268736"/>
-            <a:ext cx="8139178" cy="4041680"/>
-          </a:xfrm>
-        </p:spPr>
-        <p:txBody>
-          <a:bodyPr/>
-          <a:p>
+              <a:t>this</a:t>
+            </a:r>
+            <a:r>
+              <a:rPr lang="zh-CN" altLang="en-US"/>
+              <a:t>的都可以写在</a:t>
+            </a:r>
             <a:r>
               <a:rPr lang="en-US" altLang="zh-CN"/>
-              <a:t>1.SFC</a:t>
-            </a:r>
-            <a:r>
-              <a:t>中&lt;style&gt;</a:t>
-            </a:r>
+              <a:t>setup</a:t>
+            </a:r>
+            <a:r>
+              <a:rPr lang="zh-CN" altLang="en-US"/>
+              <a:t>里面</a:t>
+            </a:r>
+            <a:endParaRPr lang="zh-CN" altLang="en-US"/>
+          </a:p>
+          <a:p>
+            <a:endParaRPr lang="zh-CN" altLang="en-US"/>
+          </a:p>
+          <a:p>
+            <a:endParaRPr lang="zh-CN" altLang="en-US"/>
+          </a:p>
+          <a:p>
+            <a:endParaRPr lang="zh-CN" altLang="en-US"/>
+          </a:p>
+          <a:p>
             <a:r>
               <a:rPr lang="en-US" altLang="zh-CN"/>
-              <a:t> </a:t>
-            </a:r>
-            <a:r>
-              <a:t> v-bind  CSS 函数</a:t>
-            </a:r>
-          </a:p>
-          <a:p/>
-          <a:p>
+              <a:t>setup</a:t>
+            </a:r>
+            <a:r>
+              <a:rPr lang="zh-CN" altLang="en-US"/>
+              <a:t>替代掉</a:t>
+            </a:r>
             <a:r>
               <a:rPr lang="en-US" altLang="zh-CN"/>
-              <a:t>2.Fragment </a:t>
-            </a:r>
-            <a:r>
-              <a:t>片段</a:t>
-            </a:r>
+              <a:t> beforeCreate</a:t>
+            </a:r>
+            <a:endParaRPr lang="en-US" altLang="zh-CN"/>
+          </a:p>
+          <a:p>
             <a:r>
               <a:rPr lang="en-US" altLang="zh-CN"/>
-              <a:t> </a:t>
-            </a:r>
-            <a:r>
-              <a:t>节约性能</a:t>
-            </a:r>
-          </a:p>
-          <a:p/>
-          <a:p>
-            <a:r>
-              <a:rPr lang="en-US" altLang="zh-CN"/>
-              <a:t>3.TreeShake </a:t>
-            </a:r>
-            <a:r>
-              <a:t>摇树</a:t>
-            </a:r>
-          </a:p>
-          <a:p/>
-          <a:p>
-            <a:pPr marL="0" indent="0">
-              <a:buNone/>
-            </a:pPr>
+              <a:t>                     created           </a:t>
+            </a:r>
             <a:endParaRPr lang="en-US" altLang="zh-CN"/>
           </a:p>
           <a:p>
-            <a:endParaRPr lang="en-US" altLang="zh-CN"/>
+            <a:r>
+              <a:rPr lang="zh-CN" altLang="en-US"/>
+              <a:t>这两个钩子函数</a:t>
+            </a:r>
+            <a:endParaRPr lang="zh-CN" altLang="en-US"/>
           </a:p>
         </p:txBody>
       </p:sp>
     </p:spTree>
     <p:custDataLst>
-      <p:tags r:id="rId1"/>
+      <p:tags r:id="rId2"/>
     </p:custDataLst>
   </p:cSld>
   <p:clrMapOvr>
@@ -22661,10 +22989,10 @@
           <a:p>
             <a:r>
               <a:rPr lang="en-US" altLang="zh-CN"/>
-              <a:t>04 </a:t>
-            </a:r>
-            <a:r>
-              <a:t>文档与源码</a:t>
+              <a:t>03 </a:t>
+            </a:r>
+            <a:r>
+              <a:t>其他的特性</a:t>
             </a:r>
           </a:p>
         </p:txBody>
@@ -22679,17 +23007,334 @@
             <p:ph idx="1"/>
           </p:nvPr>
         </p:nvSpPr>
-        <p:spPr/>
+        <p:spPr>
+          <a:xfrm>
+            <a:off x="502412" y="1268736"/>
+            <a:ext cx="8139178" cy="4041680"/>
+          </a:xfrm>
+        </p:spPr>
         <p:txBody>
           <a:bodyPr/>
           <a:p>
-            <a:endParaRPr lang="zh-CN" altLang="en-US"/>
+            <a:r>
+              <a:rPr lang="en-US" altLang="zh-CN"/>
+              <a:t>1.SFC</a:t>
+            </a:r>
+            <a:r>
+              <a:t>中&lt;style&gt;</a:t>
+            </a:r>
+            <a:r>
+              <a:rPr lang="en-US" altLang="zh-CN"/>
+              <a:t> </a:t>
+            </a:r>
+            <a:r>
+              <a:t> v-bind  CSS 函数</a:t>
+            </a:r>
+          </a:p>
+          <a:p/>
+          <a:p>
+            <a:r>
+              <a:rPr lang="en-US" altLang="zh-CN"/>
+              <a:t>2.Fragment </a:t>
+            </a:r>
+            <a:r>
+              <a:t>片段</a:t>
+            </a:r>
+            <a:r>
+              <a:rPr lang="en-US" altLang="zh-CN"/>
+              <a:t> </a:t>
+            </a:r>
+            <a:r>
+              <a:t>节约性能</a:t>
+            </a:r>
+          </a:p>
+          <a:p/>
+          <a:p>
+            <a:r>
+              <a:rPr lang="en-US" altLang="zh-CN"/>
+              <a:t>3.TreeShake </a:t>
+            </a:r>
+            <a:r>
+              <a:t>摇树</a:t>
+            </a:r>
+          </a:p>
+          <a:p/>
+          <a:p>
+            <a:r>
+              <a:t>重要的删除</a:t>
+            </a:r>
+            <a:r>
+              <a:rPr lang="en-US" altLang="zh-CN"/>
+              <a:t>:</a:t>
+            </a:r>
+            <a:r>
+              <a:t>移除掉</a:t>
+            </a:r>
+            <a:r>
+              <a:rPr lang="en-US" altLang="zh-CN"/>
+              <a:t>eventBus  ===&gt;  Vue X</a:t>
+            </a:r>
+            <a:endParaRPr lang="en-US" altLang="zh-CN"/>
+          </a:p>
+          <a:p>
+            <a:r>
+              <a:rPr lang="en-US" altLang="zh-CN"/>
+              <a:t>                </a:t>
+            </a:r>
+            <a:r>
+              <a:t>移除掉</a:t>
+            </a:r>
+            <a:r>
+              <a:rPr lang="en-US" altLang="zh-CN"/>
+              <a:t>filters       ===&gt;  computed</a:t>
+            </a:r>
+            <a:endParaRPr lang="en-US" altLang="zh-CN"/>
+          </a:p>
+          <a:p>
+            <a:r>
+              <a:rPr lang="en-US" altLang="zh-CN"/>
+              <a:t> </a:t>
+            </a:r>
+            <a:r>
+              <a:rPr lang="en-US" altLang="zh-CN">
+                <a:sym typeface="+mn-ea"/>
+              </a:rPr>
+              <a:t>awesome-vue  vue</a:t>
+            </a:r>
+            <a:r>
+              <a:rPr>
+                <a:sym typeface="+mn-ea"/>
+              </a:rPr>
+              <a:t>相关的开源库集合</a:t>
+            </a:r>
+            <a:r>
+              <a:rPr lang="en-US" altLang="zh-CN">
+                <a:sym typeface="+mn-ea"/>
+              </a:rPr>
+              <a:t> </a:t>
+            </a:r>
+            <a:endParaRPr lang="en-US" altLang="zh-CN"/>
+          </a:p>
+          <a:p>
+            <a:pPr marL="0" indent="0">
+              <a:buNone/>
+            </a:pPr>
+            <a:r>
+              <a:rPr lang="en-US" altLang="zh-CN"/>
+              <a:t>             </a:t>
+            </a:r>
+            <a:endParaRPr lang="en-US" altLang="zh-CN"/>
+          </a:p>
+          <a:p/>
+          <a:p>
+            <a:pPr marL="0" indent="0">
+              <a:buNone/>
+            </a:pPr>
+            <a:endParaRPr lang="en-US" altLang="zh-CN"/>
+          </a:p>
+          <a:p>
+            <a:endParaRPr lang="en-US" altLang="zh-CN"/>
           </a:p>
         </p:txBody>
       </p:sp>
     </p:spTree>
     <p:custDataLst>
       <p:tags r:id="rId1"/>
+    </p:custDataLst>
+  </p:cSld>
+  <p:clrMapOvr>
+    <a:masterClrMapping/>
+  </p:clrMapOvr>
+</p:sld>
+</file>
+
+<file path=ppt/slides/slide14.xml><?xml version="1.0" encoding="utf-8"?>
+<p:sld xmlns:a="http://schemas.openxmlformats.org/drawingml/2006/main" xmlns:r="http://schemas.openxmlformats.org/officeDocument/2006/relationships" xmlns:p="http://schemas.openxmlformats.org/presentationml/2006/main">
+  <p:cSld>
+    <p:spTree>
+      <p:nvGrpSpPr>
+        <p:cNvPr id="1" name=""/>
+        <p:cNvGrpSpPr/>
+        <p:nvPr/>
+      </p:nvGrpSpPr>
+      <p:grpSpPr/>
+      <p:sp>
+        <p:nvSpPr>
+          <p:cNvPr id="2" name="标题 1"/>
+          <p:cNvSpPr>
+            <a:spLocks noGrp="1"/>
+          </p:cNvSpPr>
+          <p:nvPr>
+            <p:ph type="title"/>
+          </p:nvPr>
+        </p:nvSpPr>
+        <p:spPr>
+          <a:xfrm>
+            <a:off x="502412" y="475936"/>
+            <a:ext cx="8139178" cy="331473"/>
+          </a:xfrm>
+        </p:spPr>
+        <p:txBody>
+          <a:bodyPr/>
+          <a:p>
+            <a:r>
+              <a:rPr lang="en-US" altLang="zh-CN"/>
+              <a:t>04 </a:t>
+            </a:r>
+            <a:r>
+              <a:t>题外话</a:t>
+            </a:r>
+          </a:p>
+        </p:txBody>
+      </p:sp>
+      <p:pic>
+        <p:nvPicPr>
+          <p:cNvPr id="4" name="内容占位符 3"/>
+          <p:cNvPicPr>
+            <a:picLocks noChangeAspect="1"/>
+          </p:cNvPicPr>
+          <p:nvPr>
+            <p:ph idx="1"/>
+            <p:custDataLst>
+              <p:tags r:id="rId1"/>
+            </p:custDataLst>
+          </p:nvPr>
+        </p:nvPicPr>
+        <p:blipFill>
+          <a:blip r:embed="rId2"/>
+          <a:stretch>
+            <a:fillRect/>
+          </a:stretch>
+        </p:blipFill>
+        <p:spPr>
+          <a:xfrm>
+            <a:off x="1115695" y="1268730"/>
+            <a:ext cx="7299960" cy="4734560"/>
+          </a:xfrm>
+          <a:prstGeom prst="rect">
+            <a:avLst/>
+          </a:prstGeom>
+        </p:spPr>
+      </p:pic>
+    </p:spTree>
+    <p:custDataLst>
+      <p:tags r:id="rId3"/>
+    </p:custDataLst>
+  </p:cSld>
+  <p:clrMapOvr>
+    <a:masterClrMapping/>
+  </p:clrMapOvr>
+</p:sld>
+</file>
+
+<file path=ppt/slides/slide15.xml><?xml version="1.0" encoding="utf-8"?>
+<p:sld xmlns:a="http://schemas.openxmlformats.org/drawingml/2006/main" xmlns:r="http://schemas.openxmlformats.org/officeDocument/2006/relationships" xmlns:p="http://schemas.openxmlformats.org/presentationml/2006/main">
+  <p:cSld>
+    <p:spTree>
+      <p:nvGrpSpPr>
+        <p:cNvPr id="1" name=""/>
+        <p:cNvGrpSpPr/>
+        <p:nvPr/>
+      </p:nvGrpSpPr>
+      <p:grpSpPr/>
+      <p:pic>
+        <p:nvPicPr>
+          <p:cNvPr id="5" name="图片 4"/>
+          <p:cNvPicPr>
+            <a:picLocks noChangeAspect="1"/>
+          </p:cNvPicPr>
+          <p:nvPr/>
+        </p:nvPicPr>
+        <p:blipFill>
+          <a:blip r:embed="rId1"/>
+          <a:stretch>
+            <a:fillRect/>
+          </a:stretch>
+        </p:blipFill>
+        <p:spPr>
+          <a:xfrm>
+            <a:off x="0" y="0"/>
+            <a:ext cx="5934075" cy="3724275"/>
+          </a:xfrm>
+          <a:prstGeom prst="rect">
+            <a:avLst/>
+          </a:prstGeom>
+        </p:spPr>
+      </p:pic>
+      <p:sp>
+        <p:nvSpPr>
+          <p:cNvPr id="6" name="文本框 5"/>
+          <p:cNvSpPr txBox="1"/>
+          <p:nvPr/>
+        </p:nvSpPr>
+        <p:spPr>
+          <a:xfrm>
+            <a:off x="668655" y="4446905"/>
+            <a:ext cx="3446780" cy="922020"/>
+          </a:xfrm>
+          <a:prstGeom prst="rect">
+            <a:avLst/>
+          </a:prstGeom>
+          <a:noFill/>
+        </p:spPr>
+        <p:txBody>
+          <a:bodyPr wrap="none" rtlCol="0">
+            <a:spAutoFit/>
+          </a:bodyPr>
+          <a:p>
+            <a:r>
+              <a:rPr lang="zh-CN" altLang="en-US"/>
+              <a:t>通读官方文档</a:t>
+            </a:r>
+            <a:r>
+              <a:rPr lang="en-US" altLang="zh-CN"/>
+              <a:t>,</a:t>
+            </a:r>
+            <a:r>
+              <a:rPr lang="zh-CN" altLang="en-US"/>
+              <a:t>不理解看英文对照</a:t>
+            </a:r>
+            <a:endParaRPr lang="zh-CN" altLang="en-US"/>
+          </a:p>
+          <a:p>
+            <a:endParaRPr lang="zh-CN" altLang="en-US"/>
+          </a:p>
+          <a:p>
+            <a:r>
+              <a:rPr lang="zh-CN" altLang="en-US"/>
+              <a:t>带有目的的看源码</a:t>
+            </a:r>
+            <a:endParaRPr lang="zh-CN" altLang="en-US"/>
+          </a:p>
+        </p:txBody>
+      </p:sp>
+      <p:pic>
+        <p:nvPicPr>
+          <p:cNvPr id="7" name="图片 6"/>
+          <p:cNvPicPr>
+            <a:picLocks noChangeAspect="1"/>
+          </p:cNvPicPr>
+          <p:nvPr/>
+        </p:nvPicPr>
+        <p:blipFill>
+          <a:blip r:embed="rId2"/>
+          <a:stretch>
+            <a:fillRect/>
+          </a:stretch>
+        </p:blipFill>
+        <p:spPr>
+          <a:xfrm>
+            <a:off x="5709920" y="2492375"/>
+            <a:ext cx="3434080" cy="4373880"/>
+          </a:xfrm>
+          <a:prstGeom prst="rect">
+            <a:avLst/>
+          </a:prstGeom>
+        </p:spPr>
+      </p:pic>
+    </p:spTree>
+    <p:custDataLst>
+      <p:tags r:id="rId3"/>
     </p:custDataLst>
   </p:cSld>
   <p:clrMapOvr>
@@ -22777,7 +23422,7 @@
         </p:nvSpPr>
         <p:spPr>
           <a:xfrm>
-            <a:off x="2557463" y="3003550"/>
+            <a:off x="2566988" y="3003550"/>
             <a:ext cx="2430463" cy="722313"/>
           </a:xfrm>
           <a:prstGeom prst="rect">
@@ -22953,34 +23598,17 @@
               </a:spcAft>
             </a:pPr>
             <a:r>
-              <a:rPr lang="zh-CN" altLang="en-US" sz="1350" noProof="1" dirty="0">
+              <a:rPr lang="zh-CN" altLang="en-US" sz="1350" dirty="0">
                 <a:solidFill>
                   <a:schemeClr val="tx1">
                     <a:lumMod val="75000"/>
                     <a:lumOff val="25000"/>
                   </a:schemeClr>
                 </a:solidFill>
-                <a:latin typeface="Arial" panose="020B0604020202020204" pitchFamily="34" charset="0"/>
                 <a:ea typeface="微软雅黑" panose="020B0503020204020204" charset="-122"/>
-                <a:cs typeface="+mn-cs"/>
                 <a:sym typeface="Arial" panose="020B0604020202020204" pitchFamily="34" charset="0"/>
               </a:rPr>
-              <a:t>组合式</a:t>
-            </a:r>
-            <a:r>
-              <a:rPr lang="en-US" altLang="zh-CN" sz="1350" noProof="1" dirty="0">
-                <a:solidFill>
-                  <a:schemeClr val="tx1">
-                    <a:lumMod val="75000"/>
-                    <a:lumOff val="25000"/>
-                  </a:schemeClr>
-                </a:solidFill>
-                <a:latin typeface="Arial" panose="020B0604020202020204" pitchFamily="34" charset="0"/>
-                <a:ea typeface="微软雅黑" panose="020B0503020204020204" charset="-122"/>
-                <a:cs typeface="+mn-cs"/>
-                <a:sym typeface="Arial" panose="020B0604020202020204" pitchFamily="34" charset="0"/>
-              </a:rPr>
-              <a:t>API/composition API</a:t>
+              <a:t>其他的新特性</a:t>
             </a:r>
             <a:endParaRPr lang="en-US" altLang="zh-CN" sz="1350" noProof="1" dirty="0">
               <a:solidFill>
@@ -23032,7 +23660,7 @@
                 <a:cs typeface="+mn-cs"/>
                 <a:sym typeface="Arial" panose="020B0604020202020204" pitchFamily="34" charset="0"/>
               </a:rPr>
-              <a:t>02</a:t>
+              <a:t>03</a:t>
             </a:r>
             <a:endParaRPr lang="en-US" altLang="zh-CN" sz="3300" b="1" noProof="1">
               <a:solidFill>
@@ -23121,19 +23749,30 @@
               </a:spcAft>
             </a:pPr>
             <a:r>
-              <a:rPr lang="zh-CN" altLang="en-US" sz="1350" noProof="1" dirty="0">
+              <a:rPr lang="zh-CN" altLang="en-US" sz="1350" dirty="0">
                 <a:solidFill>
                   <a:schemeClr val="tx1">
                     <a:lumMod val="75000"/>
                     <a:lumOff val="25000"/>
                   </a:schemeClr>
                 </a:solidFill>
-                <a:latin typeface="Arial" panose="020B0604020202020204" pitchFamily="34" charset="0"/>
                 <a:ea typeface="微软雅黑" panose="020B0503020204020204" charset="-122"/>
-                <a:cs typeface="+mn-cs"/>
                 <a:sym typeface="Arial" panose="020B0604020202020204" pitchFamily="34" charset="0"/>
               </a:rPr>
-              <a:t>其他的新特性</a:t>
+              <a:t>组合式</a:t>
+            </a:r>
+            <a:r>
+              <a:rPr lang="en-US" altLang="zh-CN" sz="1350" dirty="0">
+                <a:solidFill>
+                  <a:schemeClr val="tx1">
+                    <a:lumMod val="75000"/>
+                    <a:lumOff val="25000"/>
+                  </a:schemeClr>
+                </a:solidFill>
+                <a:ea typeface="微软雅黑" panose="020B0503020204020204" charset="-122"/>
+                <a:sym typeface="Arial" panose="020B0604020202020204" pitchFamily="34" charset="0"/>
+              </a:rPr>
+              <a:t>API/composition API</a:t>
             </a:r>
             <a:endParaRPr lang="zh-CN" altLang="en-US" sz="1350" noProof="1" dirty="0">
               <a:solidFill>
@@ -23185,7 +23824,7 @@
                 <a:cs typeface="+mn-cs"/>
                 <a:sym typeface="Arial" panose="020B0604020202020204" pitchFamily="34" charset="0"/>
               </a:rPr>
-              <a:t>03</a:t>
+              <a:t>02</a:t>
             </a:r>
             <a:endParaRPr lang="en-US" altLang="zh-CN" sz="3300" b="1" noProof="1" dirty="0">
               <a:solidFill>
@@ -23286,7 +23925,7 @@
                 <a:cs typeface="+mn-cs"/>
                 <a:sym typeface="Arial" panose="020B0604020202020204" pitchFamily="34" charset="0"/>
               </a:rPr>
-              <a:t>文档与源码</a:t>
+              <a:t>题外话</a:t>
             </a:r>
             <a:endParaRPr lang="zh-CN" altLang="en-US" sz="1350" noProof="1" dirty="0">
               <a:solidFill>
@@ -23584,6 +24223,311 @@
             </a:endParaRPr>
           </a:p>
           <a:p>
+            <a:pPr marL="228600" marR="0" indent="-228600" algn="l" defTabSz="914400" rtl="0" eaLnBrk="1" fontAlgn="auto" latinLnBrk="0" hangingPunct="1">
+              <a:lnSpc>
+                <a:spcPct val="130000"/>
+              </a:lnSpc>
+              <a:spcBef>
+                <a:spcPts val="0"/>
+              </a:spcBef>
+              <a:spcAft>
+                <a:spcPts val="1000"/>
+              </a:spcAft>
+              <a:buClrTx/>
+              <a:buSzTx/>
+              <a:buFont typeface="Arial" panose="020B0604020202020204" pitchFamily="34" charset="0"/>
+              <a:buChar char="•"/>
+            </a:pPr>
+            <a:r>
+              <a:rPr kumimoji="0" lang="en-US" altLang="zh-CN" sz="1600" b="0" i="0" u="none" strike="noStrike" kern="1200" cap="none" spc="150" normalizeH="0" baseline="0" noProof="1">
+                <a:solidFill>
+                  <a:schemeClr val="tx1">
+                    <a:lumMod val="75000"/>
+                    <a:lumOff val="25000"/>
+                  </a:schemeClr>
+                </a:solidFill>
+                <a:uFillTx/>
+                <a:latin typeface="Arial" panose="020B0604020202020204" pitchFamily="34" charset="0"/>
+                <a:ea typeface="微软雅黑" panose="020B0503020204020204" charset="-122"/>
+                <a:cs typeface="+mn-cs"/>
+              </a:rPr>
+              <a:t>a.b=3  Object.defineProperty(a,’b’,{ value:3 } )</a:t>
+            </a:r>
+            <a:endParaRPr kumimoji="0" lang="en-US" altLang="zh-CN" sz="1600" b="0" i="0" u="none" strike="noStrike" kern="1200" cap="none" spc="150" normalizeH="0" baseline="0" noProof="1">
+              <a:solidFill>
+                <a:schemeClr val="tx1">
+                  <a:lumMod val="75000"/>
+                  <a:lumOff val="25000"/>
+                </a:schemeClr>
+              </a:solidFill>
+              <a:uFillTx/>
+              <a:latin typeface="Arial" panose="020B0604020202020204" pitchFamily="34" charset="0"/>
+              <a:ea typeface="微软雅黑" panose="020B0503020204020204" charset="-122"/>
+              <a:cs typeface="+mn-cs"/>
+            </a:endParaRPr>
+          </a:p>
+          <a:p>
+            <a:pPr marL="228600" marR="0" indent="-228600" algn="l" defTabSz="914400" rtl="0" eaLnBrk="1" fontAlgn="auto" latinLnBrk="0" hangingPunct="1">
+              <a:lnSpc>
+                <a:spcPct val="130000"/>
+              </a:lnSpc>
+              <a:spcBef>
+                <a:spcPts val="0"/>
+              </a:spcBef>
+              <a:spcAft>
+                <a:spcPts val="1000"/>
+              </a:spcAft>
+              <a:buClrTx/>
+              <a:buSzTx/>
+              <a:buFont typeface="Arial" panose="020B0604020202020204" pitchFamily="34" charset="0"/>
+              <a:buChar char="•"/>
+            </a:pPr>
+            <a:r>
+              <a:rPr kumimoji="0" lang="en-US" altLang="zh-CN" sz="1600" b="0" i="0" u="none" strike="noStrike" kern="1200" cap="none" spc="150" normalizeH="0" baseline="0" noProof="1">
+                <a:solidFill>
+                  <a:schemeClr val="tx1">
+                    <a:lumMod val="75000"/>
+                    <a:lumOff val="25000"/>
+                  </a:schemeClr>
+                </a:solidFill>
+                <a:uFillTx/>
+                <a:latin typeface="Arial" panose="020B0604020202020204" pitchFamily="34" charset="0"/>
+                <a:ea typeface="微软雅黑" panose="020B0503020204020204" charset="-122"/>
+                <a:cs typeface="+mn-cs"/>
+              </a:rPr>
+              <a:t>let foo=3</a:t>
+            </a:r>
+            <a:endParaRPr kumimoji="0" lang="en-US" altLang="zh-CN" sz="1600" b="0" i="0" u="none" strike="noStrike" kern="1200" cap="none" spc="150" normalizeH="0" baseline="0" noProof="1">
+              <a:solidFill>
+                <a:schemeClr val="tx1">
+                  <a:lumMod val="75000"/>
+                  <a:lumOff val="25000"/>
+                </a:schemeClr>
+              </a:solidFill>
+              <a:uFillTx/>
+              <a:latin typeface="Arial" panose="020B0604020202020204" pitchFamily="34" charset="0"/>
+              <a:ea typeface="微软雅黑" panose="020B0503020204020204" charset="-122"/>
+              <a:cs typeface="+mn-cs"/>
+            </a:endParaRPr>
+          </a:p>
+          <a:p>
+            <a:pPr marL="228600" marR="0" indent="-228600" algn="l" defTabSz="914400" rtl="0" eaLnBrk="1" fontAlgn="auto" latinLnBrk="0" hangingPunct="1">
+              <a:lnSpc>
+                <a:spcPct val="130000"/>
+              </a:lnSpc>
+              <a:spcBef>
+                <a:spcPts val="0"/>
+              </a:spcBef>
+              <a:spcAft>
+                <a:spcPts val="1000"/>
+              </a:spcAft>
+              <a:buClrTx/>
+              <a:buSzTx/>
+              <a:buFont typeface="Arial" panose="020B0604020202020204" pitchFamily="34" charset="0"/>
+              <a:buChar char="•"/>
+            </a:pPr>
+            <a:r>
+              <a:rPr kumimoji="0" lang="en-US" altLang="zh-CN" sz="1600" b="0" i="0" u="none" strike="noStrike" kern="1200" cap="none" spc="150" normalizeH="0" baseline="0" noProof="1">
+                <a:solidFill>
+                  <a:schemeClr val="tx1">
+                    <a:lumMod val="75000"/>
+                    <a:lumOff val="25000"/>
+                  </a:schemeClr>
+                </a:solidFill>
+                <a:uFillTx/>
+                <a:latin typeface="Arial" panose="020B0604020202020204" pitchFamily="34" charset="0"/>
+                <a:ea typeface="微软雅黑" panose="020B0503020204020204" charset="-122"/>
+                <a:cs typeface="+mn-cs"/>
+              </a:rPr>
+              <a:t>Object.defineProperty(</a:t>
+            </a:r>
+            <a:r>
+              <a:rPr lang="en-US" altLang="zh-CN">
+                <a:sym typeface="+mn-ea"/>
+              </a:rPr>
+              <a:t>a,’b’,{ </a:t>
+            </a:r>
+            <a:endParaRPr lang="en-US" altLang="zh-CN">
+              <a:sym typeface="+mn-ea"/>
+            </a:endParaRPr>
+          </a:p>
+          <a:p>
+            <a:pPr marL="228600" marR="0" indent="-228600" algn="l" defTabSz="914400" rtl="0" eaLnBrk="1" fontAlgn="auto" latinLnBrk="0" hangingPunct="1">
+              <a:lnSpc>
+                <a:spcPct val="130000"/>
+              </a:lnSpc>
+              <a:spcBef>
+                <a:spcPts val="0"/>
+              </a:spcBef>
+              <a:spcAft>
+                <a:spcPts val="1000"/>
+              </a:spcAft>
+              <a:buClrTx/>
+              <a:buSzTx/>
+              <a:buFont typeface="Arial" panose="020B0604020202020204" pitchFamily="34" charset="0"/>
+              <a:buChar char="•"/>
+            </a:pPr>
+            <a:r>
+              <a:rPr lang="en-US" altLang="zh-CN">
+                <a:sym typeface="+mn-ea"/>
+              </a:rPr>
+              <a:t>                                         get( ){ return foo },</a:t>
+            </a:r>
+            <a:endParaRPr lang="en-US" altLang="zh-CN">
+              <a:sym typeface="+mn-ea"/>
+            </a:endParaRPr>
+          </a:p>
+          <a:p>
+            <a:pPr marL="228600" marR="0" indent="-228600" algn="l" defTabSz="914400" rtl="0" eaLnBrk="1" fontAlgn="auto" latinLnBrk="0" hangingPunct="1">
+              <a:lnSpc>
+                <a:spcPct val="130000"/>
+              </a:lnSpc>
+              <a:spcBef>
+                <a:spcPts val="0"/>
+              </a:spcBef>
+              <a:spcAft>
+                <a:spcPts val="1000"/>
+              </a:spcAft>
+              <a:buClrTx/>
+              <a:buSzTx/>
+              <a:buFont typeface="Arial" panose="020B0604020202020204" pitchFamily="34" charset="0"/>
+              <a:buChar char="•"/>
+            </a:pPr>
+            <a:r>
+              <a:rPr lang="en-US" altLang="zh-CN">
+                <a:sym typeface="+mn-ea"/>
+              </a:rPr>
+              <a:t>                                         set(val){ foo=val } </a:t>
+            </a:r>
+            <a:endParaRPr lang="en-US" altLang="zh-CN">
+              <a:sym typeface="+mn-ea"/>
+            </a:endParaRPr>
+          </a:p>
+          <a:p>
+            <a:pPr marL="228600" marR="0" indent="-228600" algn="l" defTabSz="914400" rtl="0" eaLnBrk="1" fontAlgn="auto" latinLnBrk="0" hangingPunct="1">
+              <a:lnSpc>
+                <a:spcPct val="130000"/>
+              </a:lnSpc>
+              <a:spcBef>
+                <a:spcPts val="0"/>
+              </a:spcBef>
+              <a:spcAft>
+                <a:spcPts val="1000"/>
+              </a:spcAft>
+              <a:buClrTx/>
+              <a:buSzTx/>
+              <a:buFont typeface="Arial" panose="020B0604020202020204" pitchFamily="34" charset="0"/>
+              <a:buChar char="•"/>
+            </a:pPr>
+            <a:r>
+              <a:rPr lang="en-US" altLang="zh-CN">
+                <a:sym typeface="+mn-ea"/>
+              </a:rPr>
+              <a:t>                                        }</a:t>
+            </a:r>
+            <a:r>
+              <a:rPr kumimoji="0" lang="en-US" altLang="zh-CN" sz="1600" b="0" i="0" u="none" strike="noStrike" kern="1200" cap="none" spc="150" normalizeH="0" baseline="0" noProof="1">
+                <a:solidFill>
+                  <a:schemeClr val="tx1">
+                    <a:lumMod val="75000"/>
+                    <a:lumOff val="25000"/>
+                  </a:schemeClr>
+                </a:solidFill>
+                <a:uFillTx/>
+                <a:latin typeface="Arial" panose="020B0604020202020204" pitchFamily="34" charset="0"/>
+                <a:ea typeface="微软雅黑" panose="020B0503020204020204" charset="-122"/>
+                <a:cs typeface="+mn-cs"/>
+              </a:rPr>
+              <a:t>)</a:t>
+            </a:r>
+            <a:endParaRPr kumimoji="0" lang="en-US" altLang="zh-CN" sz="1600" b="0" i="0" u="none" strike="noStrike" kern="1200" cap="none" spc="150" normalizeH="0" baseline="0" noProof="1">
+              <a:solidFill>
+                <a:schemeClr val="tx1">
+                  <a:lumMod val="75000"/>
+                  <a:lumOff val="25000"/>
+                </a:schemeClr>
+              </a:solidFill>
+              <a:uFillTx/>
+              <a:latin typeface="Arial" panose="020B0604020202020204" pitchFamily="34" charset="0"/>
+              <a:ea typeface="微软雅黑" panose="020B0503020204020204" charset="-122"/>
+              <a:cs typeface="+mn-cs"/>
+            </a:endParaRPr>
+          </a:p>
+          <a:p>
+            <a:pPr marL="228600" marR="0" indent="-228600" algn="l" defTabSz="914400" rtl="0" eaLnBrk="1" fontAlgn="auto" latinLnBrk="0" hangingPunct="1">
+              <a:lnSpc>
+                <a:spcPct val="130000"/>
+              </a:lnSpc>
+              <a:spcBef>
+                <a:spcPts val="0"/>
+              </a:spcBef>
+              <a:spcAft>
+                <a:spcPts val="1000"/>
+              </a:spcAft>
+              <a:buClrTx/>
+              <a:buSzTx/>
+              <a:buFont typeface="Arial" panose="020B0604020202020204" pitchFamily="34" charset="0"/>
+              <a:buChar char="•"/>
+            </a:pPr>
+            <a:r>
+              <a:rPr kumimoji="0" sz="1600" b="0" i="0" u="none" strike="noStrike" kern="1200" cap="none" spc="150" normalizeH="0" baseline="0" noProof="1">
+                <a:solidFill>
+                  <a:schemeClr val="tx1">
+                    <a:lumMod val="75000"/>
+                    <a:lumOff val="25000"/>
+                  </a:schemeClr>
+                </a:solidFill>
+                <a:uFillTx/>
+                <a:latin typeface="Arial" panose="020B0604020202020204" pitchFamily="34" charset="0"/>
+                <a:ea typeface="微软雅黑" panose="020B0503020204020204" charset="-122"/>
+                <a:cs typeface="+mn-cs"/>
+              </a:rPr>
+              <a:t>特点</a:t>
+            </a:r>
+            <a:r>
+              <a:rPr kumimoji="0" lang="en-US" altLang="zh-CN" sz="1600" b="0" i="0" u="none" strike="noStrike" kern="1200" cap="none" spc="150" normalizeH="0" baseline="0" noProof="1">
+                <a:solidFill>
+                  <a:schemeClr val="tx1">
+                    <a:lumMod val="75000"/>
+                    <a:lumOff val="25000"/>
+                  </a:schemeClr>
+                </a:solidFill>
+                <a:uFillTx/>
+                <a:latin typeface="Arial" panose="020B0604020202020204" pitchFamily="34" charset="0"/>
+                <a:ea typeface="微软雅黑" panose="020B0503020204020204" charset="-122"/>
+                <a:cs typeface="+mn-cs"/>
+              </a:rPr>
+              <a:t>: </a:t>
+            </a:r>
+            <a:r>
+              <a:rPr kumimoji="0" sz="1600" b="0" i="0" u="none" strike="noStrike" kern="1200" cap="none" spc="150" normalizeH="0" baseline="0" noProof="1">
+                <a:solidFill>
+                  <a:schemeClr val="tx1">
+                    <a:lumMod val="75000"/>
+                    <a:lumOff val="25000"/>
+                  </a:schemeClr>
+                </a:solidFill>
+                <a:uFillTx/>
+                <a:latin typeface="Arial" panose="020B0604020202020204" pitchFamily="34" charset="0"/>
+                <a:ea typeface="微软雅黑" panose="020B0503020204020204" charset="-122"/>
+                <a:cs typeface="+mn-cs"/>
+              </a:rPr>
+              <a:t>针对的是属性</a:t>
+            </a:r>
+            <a:endParaRPr kumimoji="0" lang="en-US" altLang="zh-CN" sz="1600" b="0" i="0" u="none" strike="noStrike" kern="1200" cap="none" spc="150" normalizeH="0" baseline="0" noProof="1">
+              <a:solidFill>
+                <a:schemeClr val="tx1">
+                  <a:lumMod val="75000"/>
+                  <a:lumOff val="25000"/>
+                </a:schemeClr>
+              </a:solidFill>
+              <a:uFillTx/>
+              <a:latin typeface="Arial" panose="020B0604020202020204" pitchFamily="34" charset="0"/>
+              <a:ea typeface="微软雅黑" panose="020B0503020204020204" charset="-122"/>
+              <a:cs typeface="+mn-cs"/>
+            </a:endParaRPr>
+          </a:p>
+          <a:p>
             <a:pPr marL="0" marR="0" indent="0" algn="l" defTabSz="914400" rtl="0" eaLnBrk="1" fontAlgn="auto" latinLnBrk="0" hangingPunct="1">
               <a:lnSpc>
                 <a:spcPct val="130000"/>
@@ -23600,46 +24544,49 @@
               <a:buNone/>
             </a:pPr>
             <a:r>
-              <a:rPr kumimoji="0" lang="en-US" altLang="zh-CN" sz="1600" b="0" i="0" u="none" strike="noStrike" kern="1200" cap="none" spc="150" normalizeH="0" baseline="0" noProof="1">
-                <a:solidFill>
-                  <a:schemeClr val="tx1">
-                    <a:lumMod val="75000"/>
-                    <a:lumOff val="25000"/>
-                  </a:schemeClr>
-                </a:solidFill>
-                <a:uFillTx/>
-                <a:latin typeface="Arial" panose="020B0604020202020204" pitchFamily="34" charset="0"/>
-                <a:ea typeface="微软雅黑" panose="020B0503020204020204" charset="-122"/>
-                <a:cs typeface="+mn-cs"/>
+              <a:rPr lang="en-US" altLang="zh-CN">
+                <a:sym typeface="+mn-ea"/>
               </a:rPr>
               <a:t>   </a:t>
             </a:r>
             <a:r>
-              <a:rPr kumimoji="0" sz="1600" b="0" i="0" u="none" strike="noStrike" kern="1200" cap="none" spc="150" normalizeH="0" baseline="0" noProof="1">
-                <a:solidFill>
-                  <a:schemeClr val="tx1">
-                    <a:lumMod val="75000"/>
-                    <a:lumOff val="25000"/>
-                  </a:schemeClr>
-                </a:solidFill>
-                <a:uFillTx/>
-                <a:latin typeface="Arial" panose="020B0604020202020204" pitchFamily="34" charset="0"/>
-                <a:ea typeface="微软雅黑" panose="020B0503020204020204" charset="-122"/>
-                <a:cs typeface="+mn-cs"/>
+              <a:rPr>
+                <a:sym typeface="+mn-ea"/>
               </a:rPr>
-              <a:t>针对的是属性</a:t>
-            </a:r>
-            <a:endParaRPr kumimoji="0" lang="en-US" altLang="zh-CN" sz="1600" b="0" i="0" u="none" strike="noStrike" kern="1200" cap="none" spc="150" normalizeH="0" baseline="0" noProof="1">
-              <a:solidFill>
-                <a:schemeClr val="tx1">
-                  <a:lumMod val="75000"/>
-                  <a:lumOff val="25000"/>
-                </a:schemeClr>
-              </a:solidFill>
-              <a:uFillTx/>
-              <a:latin typeface="Arial" panose="020B0604020202020204" pitchFamily="34" charset="0"/>
-              <a:ea typeface="微软雅黑" panose="020B0503020204020204" charset="-122"/>
-              <a:cs typeface="+mn-cs"/>
+              <a:t>缺点</a:t>
+            </a:r>
+            <a:r>
+              <a:rPr lang="en-US" altLang="zh-CN">
+                <a:sym typeface="+mn-ea"/>
+              </a:rPr>
+              <a:t>: </a:t>
+            </a:r>
+            <a:r>
+              <a:rPr>
+                <a:sym typeface="+mn-ea"/>
+              </a:rPr>
+              <a:t>只有劫持到属性的</a:t>
+            </a:r>
+            <a:r>
+              <a:rPr lang="en-US" altLang="zh-CN">
+                <a:sym typeface="+mn-ea"/>
+              </a:rPr>
+              <a:t>get</a:t>
+            </a:r>
+            <a:r>
+              <a:rPr>
+                <a:sym typeface="+mn-ea"/>
+              </a:rPr>
+              <a:t>和</a:t>
+            </a:r>
+            <a:r>
+              <a:rPr lang="en-US" altLang="zh-CN">
+                <a:sym typeface="+mn-ea"/>
+              </a:rPr>
+              <a:t>set </a:t>
+            </a:r>
+            <a:endParaRPr lang="en-US" altLang="zh-CN">
+              <a:sym typeface="+mn-ea"/>
             </a:endParaRPr>
           </a:p>
           <a:p>
@@ -23662,87 +24609,37 @@
               <a:rPr lang="en-US" altLang="zh-CN">
                 <a:sym typeface="+mn-ea"/>
               </a:rPr>
-              <a:t>   </a:t>
+              <a:t>           不能监听到对象新增属性</a:t>
             </a:r>
             <a:r>
               <a:rPr>
                 <a:sym typeface="+mn-ea"/>
               </a:rPr>
-              <a:t>缺点</a:t>
+              <a:t>和通过</a:t>
             </a:r>
             <a:r>
               <a:rPr lang="en-US" altLang="zh-CN">
                 <a:sym typeface="+mn-ea"/>
               </a:rPr>
-              <a:t>: </a:t>
+              <a:t>数组</a:t>
             </a:r>
             <a:r>
               <a:rPr>
                 <a:sym typeface="+mn-ea"/>
               </a:rPr>
-              <a:t>只有劫持到属性的</a:t>
+              <a:t>已有</a:t>
             </a:r>
             <a:r>
               <a:rPr lang="en-US" altLang="zh-CN">
                 <a:sym typeface="+mn-ea"/>
               </a:rPr>
-              <a:t>get</a:t>
+              <a:t>下标</a:t>
             </a:r>
             <a:r>
               <a:rPr>
                 <a:sym typeface="+mn-ea"/>
               </a:rPr>
-              <a:t>和</a:t>
-            </a:r>
-            <a:r>
-              <a:rPr lang="en-US" altLang="zh-CN">
-                <a:sym typeface="+mn-ea"/>
-              </a:rPr>
-              <a:t>set </a:t>
-            </a:r>
-            <a:endParaRPr lang="en-US" altLang="zh-CN">
-              <a:sym typeface="+mn-ea"/>
-            </a:endParaRPr>
-          </a:p>
-          <a:p>
-            <a:pPr marL="0" marR="0" indent="0" algn="l" defTabSz="914400" rtl="0" eaLnBrk="1" fontAlgn="auto" latinLnBrk="0" hangingPunct="1">
-              <a:lnSpc>
-                <a:spcPct val="130000"/>
-              </a:lnSpc>
-              <a:spcBef>
-                <a:spcPts val="0"/>
-              </a:spcBef>
-              <a:spcAft>
-                <a:spcPts val="1000"/>
-              </a:spcAft>
-              <a:buClrTx/>
-              <a:buSzTx/>
-              <a:buFont typeface="Arial" panose="020B0604020202020204" pitchFamily="34" charset="0"/>
-              <a:buNone/>
-            </a:pPr>
-            <a:r>
-              <a:rPr lang="en-US" altLang="zh-CN">
-                <a:sym typeface="+mn-ea"/>
-              </a:rPr>
-              <a:t>           不能监听到</a:t>
-            </a:r>
-            <a:r>
-              <a:rPr lang="en-US" altLang="zh-CN">
-                <a:sym typeface="+mn-ea"/>
-              </a:rPr>
-              <a:t>对象新增属性</a:t>
-            </a:r>
-            <a:r>
-              <a:rPr>
-                <a:sym typeface="+mn-ea"/>
-              </a:rPr>
-              <a:t>和</a:t>
-            </a:r>
-            <a:r>
-              <a:rPr lang="en-US" altLang="zh-CN">
-                <a:sym typeface="+mn-ea"/>
-              </a:rPr>
-              <a:t>数组下标变化</a:t>
+              <a:t>改变数组</a:t>
             </a:r>
             <a:endParaRPr lang="en-US" altLang="zh-CN">
               <a:sym typeface="+mn-ea"/>
@@ -23827,33 +24724,9 @@
           </a:p>
         </p:txBody>
       </p:sp>
-      <p:pic>
-        <p:nvPicPr>
-          <p:cNvPr id="2" name="图片 1"/>
-          <p:cNvPicPr>
-            <a:picLocks noChangeAspect="1"/>
-          </p:cNvPicPr>
-          <p:nvPr/>
-        </p:nvPicPr>
-        <p:blipFill>
-          <a:blip r:embed="rId1"/>
-          <a:stretch>
-            <a:fillRect/>
-          </a:stretch>
-        </p:blipFill>
-        <p:spPr>
-          <a:xfrm>
-            <a:off x="1115695" y="3932555"/>
-            <a:ext cx="4404360" cy="2566035"/>
-          </a:xfrm>
-          <a:prstGeom prst="rect">
-            <a:avLst/>
-          </a:prstGeom>
-        </p:spPr>
-      </p:pic>
     </p:spTree>
     <p:custDataLst>
-      <p:tags r:id="rId2"/>
+      <p:tags r:id="rId1"/>
     </p:custDataLst>
   </p:cSld>
   <p:clrMapOvr>
@@ -24014,13 +24887,65 @@
               <a:rPr>
                 <a:sym typeface="+mn-ea"/>
               </a:rPr>
-              <a:t>使用</a:t>
+              <a:t>直接重写对象</a:t>
+            </a:r>
+            <a:endParaRPr>
+              <a:sym typeface="+mn-ea"/>
+            </a:endParaRPr>
+          </a:p>
+          <a:p>
+            <a:pPr marL="0" marR="0" indent="0" algn="l" defTabSz="914400" rtl="0" eaLnBrk="1" fontAlgn="auto" latinLnBrk="0" hangingPunct="1">
+              <a:lnSpc>
+                <a:spcPct val="130000"/>
+              </a:lnSpc>
+              <a:spcBef>
+                <a:spcPts val="0"/>
+              </a:spcBef>
+              <a:spcAft>
+                <a:spcPts val="1000"/>
+              </a:spcAft>
+              <a:buClrTx/>
+              <a:buSzTx/>
+              <a:buFont typeface="Arial" panose="020B0604020202020204" pitchFamily="34" charset="0"/>
+              <a:buNone/>
+            </a:pPr>
+            <a:r>
+              <a:rPr>
+                <a:sym typeface="+mn-ea"/>
+              </a:rPr>
+              <a:t>或者使用</a:t>
             </a:r>
             <a:r>
               <a:rPr lang="en-US" altLang="zh-CN">
                 <a:sym typeface="+mn-ea"/>
               </a:rPr>
-              <a:t>Vue.set  Vue.delete</a:t>
+              <a:t>Vue.set  </a:t>
+            </a:r>
+            <a:endParaRPr lang="en-US" altLang="zh-CN">
+              <a:sym typeface="+mn-ea"/>
+            </a:endParaRPr>
+          </a:p>
+          <a:p>
+            <a:pPr marL="0" marR="0" indent="0" algn="l" defTabSz="914400" rtl="0" eaLnBrk="1" fontAlgn="auto" latinLnBrk="0" hangingPunct="1">
+              <a:lnSpc>
+                <a:spcPct val="130000"/>
+              </a:lnSpc>
+              <a:spcBef>
+                <a:spcPts val="0"/>
+              </a:spcBef>
+              <a:spcAft>
+                <a:spcPts val="1000"/>
+              </a:spcAft>
+              <a:buClrTx/>
+              <a:buSzTx/>
+              <a:buFont typeface="Arial" panose="020B0604020202020204" pitchFamily="34" charset="0"/>
+              <a:buNone/>
+            </a:pPr>
+            <a:r>
+              <a:rPr lang="en-US" altLang="zh-CN">
+                <a:sym typeface="+mn-ea"/>
+              </a:rPr>
+              <a:t>Vue.delete</a:t>
             </a:r>
             <a:r>
               <a:rPr>
@@ -24133,19 +25058,10 @@
               <a:rPr lang="en-US" altLang="zh-CN">
                 <a:sym typeface="+mn-ea"/>
               </a:rPr>
-              <a:t>   Vue3  Proxy</a:t>
-            </a:r>
-            <a:endParaRPr kumimoji="0" lang="en-US" altLang="zh-CN" b="0" i="0" u="none" strike="noStrike" kern="1200" cap="none" spc="150" normalizeH="0" baseline="0" noProof="1">
-              <a:solidFill>
-                <a:schemeClr val="tx1">
-                  <a:lumMod val="75000"/>
-                  <a:lumOff val="25000"/>
-                </a:schemeClr>
-              </a:solidFill>
-              <a:uFillTx/>
-              <a:latin typeface="Arial" panose="020B0604020202020204" pitchFamily="34" charset="0"/>
-              <a:ea typeface="微软雅黑" panose="020B0503020204020204" charset="-122"/>
-              <a:cs typeface="+mn-cs"/>
+              <a:t>  Vue3  Proxy</a:t>
+            </a:r>
+            <a:endParaRPr lang="en-US" altLang="zh-CN">
+              <a:sym typeface="+mn-ea"/>
             </a:endParaRPr>
           </a:p>
           <a:p>
@@ -24168,7 +25084,31 @@
               <a:rPr lang="en-US" altLang="zh-CN">
                 <a:sym typeface="+mn-ea"/>
               </a:rPr>
-              <a:t>   </a:t>
+              <a:t> </a:t>
+            </a:r>
+            <a:r>
+              <a:rPr>
+                <a:sym typeface="+mn-ea"/>
+              </a:rPr>
+              <a:t>Proxy对象用于创建一个对象的代理，从而实现基本操作的拦截和自定义（如属</a:t>
+            </a:r>
+            <a:r>
+              <a:rPr lang="en-US" altLang="zh-CN">
+                <a:sym typeface="+mn-ea"/>
+              </a:rPr>
+              <a:t> </a:t>
+            </a:r>
+            <a:r>
+              <a:rPr>
+                <a:sym typeface="+mn-ea"/>
+              </a:rPr>
+              <a:t>性查找、赋值、枚举、函数调用等）。</a:t>
+            </a:r>
+            <a:r>
+              <a:rPr lang="en-US" altLang="zh-CN">
+                <a:sym typeface="+mn-ea"/>
+              </a:rPr>
+              <a:t>---MDN</a:t>
             </a:r>
             <a:endParaRPr lang="en-US" altLang="zh-CN">
               <a:sym typeface="+mn-ea"/>
@@ -24194,6 +25134,92 @@
               <a:rPr lang="en-US" altLang="zh-CN">
                 <a:sym typeface="+mn-ea"/>
               </a:rPr>
+              <a:t>const foo = new Proxy(target, handler)</a:t>
+            </a:r>
+            <a:endParaRPr kumimoji="0" lang="en-US" altLang="zh-CN" b="0" i="0" u="none" strike="noStrike" kern="1200" cap="none" spc="150" normalizeH="0" baseline="0" noProof="1">
+              <a:solidFill>
+                <a:schemeClr val="tx1">
+                  <a:lumMod val="75000"/>
+                  <a:lumOff val="25000"/>
+                </a:schemeClr>
+              </a:solidFill>
+              <a:uFillTx/>
+              <a:latin typeface="Arial" panose="020B0604020202020204" pitchFamily="34" charset="0"/>
+              <a:ea typeface="微软雅黑" panose="020B0503020204020204" charset="-122"/>
+              <a:cs typeface="+mn-cs"/>
+              <a:sym typeface="+mn-ea"/>
+            </a:endParaRPr>
+          </a:p>
+          <a:p>
+            <a:pPr marL="0" marR="0" lvl="0" indent="0" algn="l" defTabSz="914400" rtl="0" eaLnBrk="1" fontAlgn="auto" latinLnBrk="0" hangingPunct="1">
+              <a:lnSpc>
+                <a:spcPct val="130000"/>
+              </a:lnSpc>
+              <a:spcBef>
+                <a:spcPts val="0"/>
+              </a:spcBef>
+              <a:spcAft>
+                <a:spcPts val="1000"/>
+              </a:spcAft>
+              <a:buClrTx/>
+              <a:buSzTx/>
+              <a:buFont typeface="Arial" panose="020B0604020202020204" pitchFamily="34" charset="0"/>
+              <a:buNone/>
+            </a:pPr>
+            <a:r>
+              <a:rPr lang="en-US" altLang="zh-CN">
+                <a:sym typeface="+mn-ea"/>
+              </a:rPr>
+              <a:t>  </a:t>
+            </a:r>
+            <a:r>
+              <a:rPr>
+                <a:sym typeface="+mn-ea"/>
+              </a:rPr>
+              <a:t>特点</a:t>
+            </a:r>
+            <a:r>
+              <a:rPr lang="en-US" altLang="zh-CN">
+                <a:sym typeface="+mn-ea"/>
+              </a:rPr>
+              <a:t>:</a:t>
+            </a:r>
+            <a:r>
+              <a:rPr>
+                <a:sym typeface="+mn-ea"/>
+              </a:rPr>
+              <a:t>针对的是对象</a:t>
+            </a:r>
+            <a:r>
+              <a:rPr lang="en-US" altLang="zh-CN">
+                <a:sym typeface="+mn-ea"/>
+              </a:rPr>
+              <a:t> </a:t>
+            </a:r>
+            <a:endParaRPr lang="en-US" altLang="zh-CN">
+              <a:sym typeface="+mn-ea"/>
+            </a:endParaRPr>
+          </a:p>
+          <a:p>
+            <a:pPr marL="0" marR="0" lvl="0" indent="0" algn="l" defTabSz="914400" rtl="0" eaLnBrk="1" fontAlgn="auto" latinLnBrk="0" hangingPunct="1">
+              <a:lnSpc>
+                <a:spcPct val="130000"/>
+              </a:lnSpc>
+              <a:spcBef>
+                <a:spcPts val="0"/>
+              </a:spcBef>
+              <a:spcAft>
+                <a:spcPts val="1000"/>
+              </a:spcAft>
+              <a:buClrTx/>
+              <a:buSzTx/>
+              <a:buFont typeface="Arial" panose="020B0604020202020204" pitchFamily="34" charset="0"/>
+              <a:buNone/>
+            </a:pPr>
+            <a:r>
+              <a:rPr lang="en-US" altLang="zh-CN">
+                <a:sym typeface="+mn-ea"/>
+              </a:rPr>
               <a:t>   </a:t>
             </a:r>
             <a:r>
@@ -24259,38 +25285,7 @@
               <a:rPr lang="en-US" altLang="zh-CN">
                 <a:sym typeface="+mn-ea"/>
               </a:rPr>
-              <a:t>   const foo = new Proxy(target, handler)</a:t>
-            </a:r>
-            <a:endParaRPr kumimoji="0" lang="en-US" altLang="zh-CN" b="0" i="0" u="none" strike="noStrike" kern="1200" cap="none" spc="150" normalizeH="0" baseline="0" noProof="1">
-              <a:solidFill>
-                <a:schemeClr val="tx1">
-                  <a:lumMod val="75000"/>
-                  <a:lumOff val="25000"/>
-                </a:schemeClr>
-              </a:solidFill>
-              <a:uFillTx/>
-              <a:latin typeface="Arial" panose="020B0604020202020204" pitchFamily="34" charset="0"/>
-              <a:ea typeface="微软雅黑" panose="020B0503020204020204" charset="-122"/>
-              <a:cs typeface="+mn-cs"/>
-            </a:endParaRPr>
-          </a:p>
-          <a:p>
-            <a:r>
-              <a:rPr lang="zh-CN" altLang="en-US"/>
-              <a:t>Proxy对象用于创建一个对象的代理，从而实现基本操作的拦截和自定义（如属性查找、赋值、枚举、函数调用等）。</a:t>
-            </a:r>
-            <a:r>
-              <a:rPr lang="en-US" altLang="zh-CN"/>
-              <a:t>---MDN</a:t>
-            </a:r>
-            <a:endParaRPr lang="en-US" altLang="zh-CN"/>
-          </a:p>
-          <a:p>
-            <a:r>
-              <a:rPr lang="en-US" altLang="zh-CN">
-                <a:sym typeface="+mn-ea"/>
-              </a:rPr>
-              <a:t>target:</a:t>
+              <a:t>   target:</a:t>
             </a:r>
             <a:r>
               <a:rPr>
@@ -24326,7 +25321,283 @@
             </a:endParaRPr>
           </a:p>
           <a:p>
-            <a:endParaRPr sz="1000">
+            <a:r>
+              <a:rPr sz="1200" b="1">
+                <a:solidFill>
+                  <a:srgbClr val="FF0000"/>
+                </a:solidFill>
+                <a:sym typeface="+mn-ea"/>
+              </a:rPr>
+              <a:t>handler.apply()</a:t>
+            </a:r>
+            <a:r>
+              <a:rPr lang="en-US" altLang="zh-CN" sz="1200" b="1">
+                <a:solidFill>
+                  <a:srgbClr val="FF0000"/>
+                </a:solidFill>
+                <a:sym typeface="+mn-ea"/>
+              </a:rPr>
+              <a:t>                             </a:t>
+            </a:r>
+            <a:r>
+              <a:rPr sz="1200" b="1">
+                <a:solidFill>
+                  <a:srgbClr val="FF0000"/>
+                </a:solidFill>
+                <a:sym typeface="+mn-ea"/>
+              </a:rPr>
+              <a:t>handler.construct()</a:t>
+            </a:r>
+            <a:endParaRPr sz="1200" b="1">
+              <a:solidFill>
+                <a:srgbClr val="FF0000"/>
+              </a:solidFill>
+              <a:sym typeface="+mn-ea"/>
+            </a:endParaRPr>
+          </a:p>
+          <a:p>
+            <a:r>
+              <a:rPr sz="1200" b="1">
+                <a:solidFill>
+                  <a:srgbClr val="FF0000"/>
+                </a:solidFill>
+                <a:sym typeface="+mn-ea"/>
+              </a:rPr>
+              <a:t>handler.defineProperty()</a:t>
+            </a:r>
+            <a:r>
+              <a:rPr lang="en-US" altLang="zh-CN" sz="1200" b="1">
+                <a:solidFill>
+                  <a:srgbClr val="FF0000"/>
+                </a:solidFill>
+                <a:sym typeface="+mn-ea"/>
+              </a:rPr>
+              <a:t> </a:t>
+            </a:r>
+            <a:r>
+              <a:rPr sz="1200" b="1">
+                <a:solidFill>
+                  <a:srgbClr val="FF0000"/>
+                </a:solidFill>
+                <a:sym typeface="+mn-ea"/>
+              </a:rPr>
+              <a:t>增改</a:t>
+            </a:r>
+            <a:r>
+              <a:rPr lang="en-US" altLang="zh-CN" sz="1200" b="1">
+                <a:solidFill>
+                  <a:srgbClr val="FF0000"/>
+                </a:solidFill>
+                <a:sym typeface="+mn-ea"/>
+              </a:rPr>
+              <a:t>        </a:t>
+            </a:r>
+            <a:r>
+              <a:rPr sz="1200" b="1">
+                <a:solidFill>
+                  <a:srgbClr val="FF0000"/>
+                </a:solidFill>
+                <a:sym typeface="+mn-ea"/>
+              </a:rPr>
+              <a:t>handler.deleteProperty()</a:t>
+            </a:r>
+            <a:r>
+              <a:rPr lang="en-US" altLang="zh-CN" sz="1200" b="1">
+                <a:solidFill>
+                  <a:srgbClr val="FF0000"/>
+                </a:solidFill>
+                <a:sym typeface="+mn-ea"/>
+              </a:rPr>
+              <a:t>  </a:t>
+            </a:r>
+            <a:r>
+              <a:rPr sz="1200" b="1">
+                <a:solidFill>
+                  <a:srgbClr val="FF0000"/>
+                </a:solidFill>
+                <a:sym typeface="+mn-ea"/>
+              </a:rPr>
+              <a:t>删</a:t>
+            </a:r>
+            <a:endParaRPr sz="1200" b="1">
+              <a:solidFill>
+                <a:srgbClr val="FF0000"/>
+              </a:solidFill>
+              <a:sym typeface="+mn-ea"/>
+            </a:endParaRPr>
+          </a:p>
+          <a:p>
+            <a:r>
+              <a:rPr sz="1200" b="1">
+                <a:solidFill>
+                  <a:srgbClr val="FF0000"/>
+                </a:solidFill>
+                <a:sym typeface="+mn-ea"/>
+              </a:rPr>
+              <a:t>handler.get()</a:t>
+            </a:r>
+            <a:r>
+              <a:rPr lang="en-US" altLang="zh-CN" sz="1200" b="1">
+                <a:solidFill>
+                  <a:srgbClr val="FF0000"/>
+                </a:solidFill>
+                <a:sym typeface="+mn-ea"/>
+              </a:rPr>
+              <a:t> </a:t>
+            </a:r>
+            <a:r>
+              <a:rPr sz="1200" b="1">
+                <a:solidFill>
+                  <a:srgbClr val="FF0000"/>
+                </a:solidFill>
+                <a:sym typeface="+mn-ea"/>
+              </a:rPr>
+              <a:t>查</a:t>
+            </a:r>
+            <a:r>
+              <a:rPr lang="en-US" altLang="zh-CN" sz="1200" b="1">
+                <a:solidFill>
+                  <a:srgbClr val="FF0000"/>
+                </a:solidFill>
+                <a:sym typeface="+mn-ea"/>
+              </a:rPr>
+              <a:t>                            </a:t>
+            </a:r>
+            <a:r>
+              <a:rPr sz="1200" b="1">
+                <a:solidFill>
+                  <a:srgbClr val="FF0000"/>
+                </a:solidFill>
+                <a:sym typeface="+mn-ea"/>
+              </a:rPr>
+              <a:t>handler.getOwnPropertyDescriptor()</a:t>
+            </a:r>
+            <a:endParaRPr sz="1200" b="1">
+              <a:solidFill>
+                <a:srgbClr val="FF0000"/>
+              </a:solidFill>
+              <a:sym typeface="+mn-ea"/>
+            </a:endParaRPr>
+          </a:p>
+          <a:p>
+            <a:r>
+              <a:rPr sz="1200" b="1">
+                <a:solidFill>
+                  <a:srgbClr val="FF0000"/>
+                </a:solidFill>
+                <a:sym typeface="+mn-ea"/>
+              </a:rPr>
+              <a:t>handler.getPrototypeOf()</a:t>
+            </a:r>
+            <a:r>
+              <a:rPr lang="en-US" altLang="zh-CN" sz="1200" b="1">
+                <a:solidFill>
+                  <a:srgbClr val="FF0000"/>
+                </a:solidFill>
+                <a:sym typeface="+mn-ea"/>
+              </a:rPr>
+              <a:t>              </a:t>
+            </a:r>
+            <a:r>
+              <a:rPr sz="1200" b="1">
+                <a:solidFill>
+                  <a:srgbClr val="FF0000"/>
+                </a:solidFill>
+                <a:sym typeface="+mn-ea"/>
+              </a:rPr>
+              <a:t>handler.has()</a:t>
+            </a:r>
+            <a:endParaRPr sz="1200" b="1">
+              <a:solidFill>
+                <a:srgbClr val="FF0000"/>
+              </a:solidFill>
+              <a:sym typeface="+mn-ea"/>
+            </a:endParaRPr>
+          </a:p>
+          <a:p>
+            <a:r>
+              <a:rPr sz="1200" b="1">
+                <a:solidFill>
+                  <a:srgbClr val="FF0000"/>
+                </a:solidFill>
+                <a:sym typeface="+mn-ea"/>
+              </a:rPr>
+              <a:t>handler.isExtensible()</a:t>
+            </a:r>
+            <a:r>
+              <a:rPr lang="en-US" altLang="zh-CN" sz="1200" b="1">
+                <a:solidFill>
+                  <a:srgbClr val="FF0000"/>
+                </a:solidFill>
+                <a:sym typeface="+mn-ea"/>
+              </a:rPr>
+              <a:t>                  </a:t>
+            </a:r>
+            <a:r>
+              <a:rPr sz="1200" b="1">
+                <a:solidFill>
+                  <a:srgbClr val="FF0000"/>
+                </a:solidFill>
+                <a:sym typeface="+mn-ea"/>
+              </a:rPr>
+              <a:t>handler.ownKeys()</a:t>
+            </a:r>
+            <a:endParaRPr sz="1200" b="1">
+              <a:solidFill>
+                <a:srgbClr val="FF0000"/>
+              </a:solidFill>
+              <a:sym typeface="+mn-ea"/>
+            </a:endParaRPr>
+          </a:p>
+          <a:p>
+            <a:r>
+              <a:rPr sz="1200" b="1">
+                <a:solidFill>
+                  <a:srgbClr val="FF0000"/>
+                </a:solidFill>
+                <a:sym typeface="+mn-ea"/>
+              </a:rPr>
+              <a:t>handler.preventExtensions()</a:t>
+            </a:r>
+            <a:r>
+              <a:rPr lang="en-US" altLang="zh-CN" sz="1200" b="1">
+                <a:solidFill>
+                  <a:srgbClr val="FF0000"/>
+                </a:solidFill>
+                <a:sym typeface="+mn-ea"/>
+              </a:rPr>
+              <a:t>         </a:t>
+            </a:r>
+            <a:r>
+              <a:rPr sz="1200" b="1">
+                <a:solidFill>
+                  <a:srgbClr val="FF0000"/>
+                </a:solidFill>
+                <a:sym typeface="+mn-ea"/>
+              </a:rPr>
+              <a:t>handler.set()</a:t>
+            </a:r>
+            <a:endParaRPr sz="1200" b="1">
+              <a:solidFill>
+                <a:srgbClr val="FF0000"/>
+              </a:solidFill>
+              <a:sym typeface="+mn-ea"/>
+            </a:endParaRPr>
+          </a:p>
+          <a:p>
+            <a:r>
+              <a:rPr sz="1200" b="1">
+                <a:solidFill>
+                  <a:srgbClr val="FF0000"/>
+                </a:solidFill>
+                <a:sym typeface="+mn-ea"/>
+              </a:rPr>
+              <a:t>handler.setPrototypeOf()</a:t>
+            </a:r>
+            <a:endParaRPr sz="1200" b="1">
+              <a:solidFill>
+                <a:srgbClr val="FF0000"/>
+              </a:solidFill>
               <a:sym typeface="+mn-ea"/>
             </a:endParaRPr>
           </a:p>
@@ -24353,79 +25624,10 @@
         <p:nvPr/>
       </p:nvGrpSpPr>
       <p:grpSpPr/>
-      <p:sp>
-        <p:nvSpPr>
-          <p:cNvPr id="2" name="标题 1"/>
-          <p:cNvSpPr>
-            <a:spLocks noGrp="1"/>
-          </p:cNvSpPr>
-          <p:nvPr>
-            <p:ph type="title"/>
-          </p:nvPr>
-        </p:nvSpPr>
-        <p:spPr>
-          <a:xfrm>
-            <a:off x="502412" y="475936"/>
-            <a:ext cx="8139178" cy="331473"/>
-          </a:xfrm>
-        </p:spPr>
-        <p:txBody>
-          <a:bodyPr/>
-          <a:p>
-            <a:r>
-              <a:rPr lang="en-US" altLang="zh-CN"/>
-              <a:t>02 </a:t>
-            </a:r>
-            <a:r>
-              <a:t>组合式</a:t>
-            </a:r>
-            <a:r>
-              <a:rPr lang="en-US" altLang="zh-CN"/>
-              <a:t>Api</a:t>
-            </a:r>
-            <a:endParaRPr lang="en-US" altLang="zh-CN"/>
-          </a:p>
-        </p:txBody>
-      </p:sp>
-      <p:sp>
-        <p:nvSpPr>
-          <p:cNvPr id="3" name="内容占位符 2"/>
-          <p:cNvSpPr>
-            <a:spLocks noGrp="1"/>
-          </p:cNvSpPr>
-          <p:nvPr>
-            <p:ph idx="1"/>
-          </p:nvPr>
-        </p:nvSpPr>
-        <p:spPr>
-          <a:xfrm>
-            <a:off x="683895" y="1124585"/>
-            <a:ext cx="8139430" cy="5168265"/>
-          </a:xfrm>
-        </p:spPr>
-        <p:txBody>
-          <a:bodyPr/>
-          <a:p>
-            <a:r>
-              <a:rPr lang="zh-CN" altLang="en-US"/>
-              <a:t>组合式api顾名思义就是把原先分散在各处的逻辑组合起来在一个地方书写</a:t>
-            </a:r>
-            <a:endParaRPr lang="zh-CN" altLang="en-US"/>
-          </a:p>
-          <a:p>
-            <a:endParaRPr lang="zh-CN" altLang="en-US"/>
-          </a:p>
-          <a:p>
-            <a:endParaRPr lang="zh-CN" altLang="en-US"/>
-          </a:p>
-        </p:txBody>
-      </p:sp>
       <p:pic>
         <p:nvPicPr>
-          <p:cNvPr id="4" name="图片 3"/>
-          <p:cNvPicPr>
-            <a:picLocks noChangeAspect="1"/>
-          </p:cNvPicPr>
+          <p:cNvPr id="100" name="图片 99"/>
+          <p:cNvPicPr/>
           <p:nvPr/>
         </p:nvPicPr>
         <p:blipFill>
@@ -24436,14 +25638,64 @@
         </p:blipFill>
         <p:spPr>
           <a:xfrm>
-            <a:off x="2339975" y="1556385"/>
-            <a:ext cx="5057775" cy="4886325"/>
+            <a:off x="683578" y="332423"/>
+            <a:ext cx="7610474" cy="4676775"/>
           </a:xfrm>
           <a:prstGeom prst="rect">
             <a:avLst/>
           </a:prstGeom>
+          <a:noFill/>
+          <a:ln w="9525">
+            <a:noFill/>
+          </a:ln>
         </p:spPr>
       </p:pic>
+      <p:sp>
+        <p:nvSpPr>
+          <p:cNvPr id="5" name="文本框 4"/>
+          <p:cNvSpPr txBox="1"/>
+          <p:nvPr/>
+        </p:nvSpPr>
+        <p:spPr>
+          <a:xfrm>
+            <a:off x="755650" y="5300980"/>
+            <a:ext cx="8100060" cy="1076325"/>
+          </a:xfrm>
+          <a:prstGeom prst="rect">
+            <a:avLst/>
+          </a:prstGeom>
+          <a:noFill/>
+        </p:spPr>
+        <p:txBody>
+          <a:bodyPr wrap="square" rtlCol="0">
+            <a:spAutoFit/>
+          </a:bodyPr>
+          <a:p>
+            <a:pPr algn="ctr"/>
+            <a:r>
+              <a:rPr lang="en-US" altLang="zh-CN" sz="3200"/>
+              <a:t>Talk is cheap,Show me the code</a:t>
+            </a:r>
+            <a:endParaRPr lang="en-US" altLang="zh-CN" sz="3200"/>
+          </a:p>
+          <a:p>
+            <a:pPr algn="ctr"/>
+            <a:r>
+              <a:rPr lang="zh-CN" altLang="en-US" sz="3200"/>
+              <a:t>废话少说</a:t>
+            </a:r>
+            <a:r>
+              <a:rPr lang="en-US" altLang="zh-CN" sz="3200"/>
+              <a:t>,</a:t>
+            </a:r>
+            <a:r>
+              <a:rPr lang="zh-CN" altLang="en-US" sz="3200"/>
+              <a:t>放码过来</a:t>
+            </a:r>
+            <a:endParaRPr lang="zh-CN" altLang="en-US" sz="3200"/>
+          </a:p>
+        </p:txBody>
+      </p:sp>
     </p:spTree>
     <p:custDataLst>
       <p:tags r:id="rId2"/>
@@ -24477,7 +25729,7 @@
         </p:nvSpPr>
         <p:spPr>
           <a:xfrm>
-            <a:off x="502412" y="908371"/>
+            <a:off x="502412" y="475936"/>
             <a:ext cx="8139178" cy="331473"/>
           </a:xfrm>
         </p:spPr>
@@ -24486,11 +25738,16 @@
           <a:p>
             <a:r>
               <a:rPr lang="en-US" altLang="zh-CN"/>
-              <a:t>setup() </a:t>
-            </a:r>
-            <a:r>
-              <a:t>函数</a:t>
-            </a:r>
+              <a:t>02 </a:t>
+            </a:r>
+            <a:r>
+              <a:t>组合式</a:t>
+            </a:r>
+            <a:r>
+              <a:rPr lang="en-US" altLang="zh-CN"/>
+              <a:t>Api</a:t>
+            </a:r>
+            <a:endParaRPr lang="en-US" altLang="zh-CN"/>
           </a:p>
         </p:txBody>
       </p:sp>
@@ -24504,41 +25761,19 @@
             <p:ph idx="1"/>
           </p:nvPr>
         </p:nvSpPr>
-        <p:spPr/>
+        <p:spPr>
+          <a:xfrm>
+            <a:off x="683895" y="1124585"/>
+            <a:ext cx="8139430" cy="5168265"/>
+          </a:xfrm>
+        </p:spPr>
         <p:txBody>
           <a:bodyPr/>
           <a:p>
             <a:r>
               <a:rPr lang="zh-CN" altLang="en-US"/>
-              <a:t>新的 setup 选项在组件创建之前执行，一旦 props 被解析，就将作为组合式 API 的入口。</a:t>
-            </a:r>
-            <a:r>
-              <a:rPr lang="en-US" altLang="zh-CN"/>
-              <a:t>(</a:t>
-            </a:r>
-            <a:r>
-              <a:t>在</a:t>
-            </a:r>
-            <a:r>
-              <a:rPr lang="en-US" altLang="zh-CN"/>
-              <a:t>beforeCreat</a:t>
-            </a:r>
-            <a:r>
-              <a:t>钩子函数之前</a:t>
-            </a:r>
-            <a:r>
-              <a:rPr lang="en-US" altLang="zh-CN"/>
-              <a:t>)</a:t>
-            </a:r>
-            <a:endParaRPr lang="zh-CN" altLang="en-US"/>
-          </a:p>
-          <a:p>
-            <a:endParaRPr lang="zh-CN" altLang="en-US"/>
-          </a:p>
-          <a:p>
-            <a:endParaRPr lang="zh-CN" altLang="en-US"/>
-          </a:p>
-          <a:p>
+              <a:t>组合式api顾名思义就是把原先分散在各处的逻辑组合起来在一个地方书写</a:t>
+            </a:r>
             <a:endParaRPr lang="zh-CN" altLang="en-US"/>
           </a:p>
           <a:p>
@@ -24565,8 +25800,8 @@
         </p:blipFill>
         <p:spPr>
           <a:xfrm>
-            <a:off x="755650" y="2492375"/>
-            <a:ext cx="7569200" cy="1438275"/>
+            <a:off x="251460" y="1556385"/>
+            <a:ext cx="5057775" cy="4886325"/>
           </a:xfrm>
           <a:prstGeom prst="rect">
             <a:avLst/>
@@ -24575,7 +25810,7 @@
       </p:pic>
       <p:pic>
         <p:nvPicPr>
-          <p:cNvPr id="6" name="图片 5"/>
+          <p:cNvPr id="5" name="图片 4" descr="options-api"/>
           <p:cNvPicPr>
             <a:picLocks noChangeAspect="1"/>
           </p:cNvPicPr>
@@ -24589,8 +25824,8 @@
         </p:blipFill>
         <p:spPr>
           <a:xfrm>
-            <a:off x="611505" y="4220845"/>
-            <a:ext cx="8053705" cy="1952625"/>
+            <a:off x="5939790" y="1556385"/>
+            <a:ext cx="1241425" cy="4815840"/>
           </a:xfrm>
           <a:prstGeom prst="rect">
             <a:avLst/>
@@ -24630,7 +25865,7 @@
         </p:nvSpPr>
         <p:spPr>
           <a:xfrm>
-            <a:off x="467487" y="764226"/>
+            <a:off x="502412" y="260036"/>
             <a:ext cx="8139178" cy="331473"/>
           </a:xfrm>
         </p:spPr>
@@ -24639,17 +25874,10 @@
           <a:p>
             <a:r>
               <a:rPr lang="en-US" altLang="zh-CN"/>
-              <a:t>setup</a:t>
-            </a:r>
-            <a:r>
-              <a:t>替代</a:t>
-            </a:r>
-            <a:r>
-              <a:rPr lang="en-US" altLang="zh-CN"/>
-              <a:t>data</a:t>
-            </a:r>
-            <a:r>
-              <a:t>选项</a:t>
+              <a:t>setup() </a:t>
+            </a:r>
+            <a:r>
+              <a:t>函数</a:t>
             </a:r>
           </a:p>
         </p:txBody>
@@ -24664,245 +25892,186 @@
             <p:ph idx="1"/>
           </p:nvPr>
         </p:nvSpPr>
-        <p:spPr/>
+        <p:spPr>
+          <a:xfrm>
+            <a:off x="502412" y="692791"/>
+            <a:ext cx="8139178" cy="4041680"/>
+          </a:xfrm>
+        </p:spPr>
         <p:txBody>
           <a:bodyPr/>
           <a:p>
             <a:r>
+              <a:rPr lang="zh-CN" altLang="en-US"/>
+              <a:t>新的 setup 选项在组件创建之前执行，一旦 props 被解析，就将作为组合式 API 的入口。</a:t>
+            </a:r>
+            <a:r>
               <a:rPr lang="en-US" altLang="zh-CN"/>
-              <a:t>reactive() </a:t>
-            </a:r>
-            <a:r>
-              <a:t>函数</a:t>
-            </a:r>
-          </a:p>
-          <a:p>
-            <a:pPr marL="0" indent="0">
+              <a:t>(</a:t>
+            </a:r>
+            <a:r>
+              <a:t>在</a:t>
+            </a:r>
+            <a:r>
+              <a:rPr lang="en-US" altLang="zh-CN"/>
+              <a:t>beforeCreat</a:t>
+            </a:r>
+            <a:r>
+              <a:t>钩子函数之前</a:t>
+            </a:r>
+            <a:r>
+              <a:rPr lang="en-US" altLang="zh-CN"/>
+              <a:t>)</a:t>
+            </a:r>
+            <a:endParaRPr lang="zh-CN" altLang="en-US"/>
+          </a:p>
+          <a:p>
+            <a:endParaRPr lang="zh-CN" altLang="en-US"/>
+          </a:p>
+          <a:p>
+            <a:endParaRPr lang="zh-CN" altLang="en-US"/>
+          </a:p>
+          <a:p>
+            <a:endParaRPr lang="zh-CN" altLang="en-US"/>
+          </a:p>
+          <a:p>
+            <a:endParaRPr lang="zh-CN" altLang="en-US"/>
+          </a:p>
+          <a:p>
+            <a:r>
+              <a:rPr lang="zh-CN" altLang="en-US"/>
+              <a:t>任何使用</a:t>
+            </a:r>
+            <a:r>
+              <a:rPr lang="en-US" altLang="zh-CN"/>
+              <a:t>this</a:t>
+            </a:r>
+            <a:r>
+              <a:t>的选项都可以写在</a:t>
+            </a:r>
+            <a:r>
+              <a:rPr lang="en-US" altLang="zh-CN"/>
+              <a:t>setup</a:t>
+            </a:r>
+            <a:r>
+              <a:t>里面去组合使用</a:t>
+            </a:r>
+          </a:p>
+        </p:txBody>
+      </p:sp>
+      <p:pic>
+        <p:nvPicPr>
+          <p:cNvPr id="4" name="图片 3"/>
+          <p:cNvPicPr>
+            <a:picLocks noChangeAspect="1"/>
+          </p:cNvPicPr>
+          <p:nvPr/>
+        </p:nvPicPr>
+        <p:blipFill>
+          <a:blip r:embed="rId1"/>
+          <a:stretch>
+            <a:fillRect/>
+          </a:stretch>
+        </p:blipFill>
+        <p:spPr>
+          <a:xfrm>
+            <a:off x="611505" y="1556385"/>
+            <a:ext cx="7569200" cy="1438275"/>
+          </a:xfrm>
+          <a:prstGeom prst="rect">
+            <a:avLst/>
+          </a:prstGeom>
+        </p:spPr>
+      </p:pic>
+      <p:pic>
+        <p:nvPicPr>
+          <p:cNvPr id="6" name="图片 5"/>
+          <p:cNvPicPr>
+            <a:picLocks noChangeAspect="1"/>
+          </p:cNvPicPr>
+          <p:nvPr/>
+        </p:nvPicPr>
+        <p:blipFill>
+          <a:blip r:embed="rId2"/>
+          <a:stretch>
+            <a:fillRect/>
+          </a:stretch>
+        </p:blipFill>
+        <p:spPr>
+          <a:xfrm>
+            <a:off x="544830" y="4796790"/>
+            <a:ext cx="8053705" cy="1952625"/>
+          </a:xfrm>
+          <a:prstGeom prst="rect">
+            <a:avLst/>
+          </a:prstGeom>
+        </p:spPr>
+      </p:pic>
+      <p:sp>
+        <p:nvSpPr>
+          <p:cNvPr id="5" name="标题 1"/>
+          <p:cNvSpPr>
+            <a:spLocks noGrp="1"/>
+          </p:cNvSpPr>
+          <p:nvPr/>
+        </p:nvSpPr>
+        <p:spPr>
+          <a:xfrm>
+            <a:off x="502412" y="4076386"/>
+            <a:ext cx="8139178" cy="331473"/>
+          </a:xfrm>
+          <a:prstGeom prst="rect">
+            <a:avLst/>
+          </a:prstGeom>
+          <a:noFill/>
+          <a:ln w="9525">
+            <a:noFill/>
+          </a:ln>
+        </p:spPr>
+        <p:txBody>
+          <a:bodyPr vert="horz" lIns="101600" tIns="38100" rIns="76200" bIns="38100" rtlCol="0" anchor="t" anchorCtr="0">
+            <a:noAutofit/>
+          </a:bodyPr>
+          <a:lstStyle>
+            <a:lvl1pPr marL="0" marR="0" algn="l" defTabSz="914400" rtl="0" eaLnBrk="1" fontAlgn="auto" latinLnBrk="0" hangingPunct="1">
+              <a:lnSpc>
+                <a:spcPct val="100000"/>
+              </a:lnSpc>
+              <a:spcBef>
+                <a:spcPct val="0"/>
+              </a:spcBef>
               <a:buNone/>
-            </a:pPr>
-            <a:r>
-              <a:rPr lang="en-US" altLang="zh-CN" sz="1400"/>
-              <a:t>      1.</a:t>
-            </a:r>
-            <a:r>
-              <a:rPr sz="1400"/>
-              <a:t>接收一个对象</a:t>
-            </a:r>
-            <a:r>
-              <a:rPr lang="en-US" altLang="zh-CN" sz="1400"/>
-              <a:t> </a:t>
-            </a:r>
-            <a:r>
-              <a:rPr sz="1400"/>
-              <a:t>返回对象的响应式代理</a:t>
-            </a:r>
-            <a:r>
-              <a:rPr lang="en-US" altLang="zh-CN" sz="1400"/>
-              <a:t> </a:t>
-            </a:r>
-            <a:r>
-              <a:rPr sz="1400"/>
-              <a:t>用的是</a:t>
-            </a:r>
-            <a:r>
-              <a:rPr lang="en-US" altLang="zh-CN" sz="1400"/>
-              <a:t>Proxy</a:t>
-            </a:r>
-            <a:endParaRPr lang="en-US" altLang="zh-CN" sz="1400"/>
-          </a:p>
-          <a:p>
-            <a:pPr marL="0" indent="0">
-              <a:buNone/>
-            </a:pPr>
-            <a:r>
-              <a:rPr lang="en-US" altLang="zh-CN" sz="1400"/>
-              <a:t>      2.</a:t>
-            </a:r>
-            <a:r>
-              <a:rPr sz="1400"/>
-              <a:t>只能接收对象</a:t>
-            </a:r>
-            <a:r>
-              <a:rPr lang="en-US" altLang="zh-CN" sz="1400"/>
-              <a:t>,</a:t>
-            </a:r>
-            <a:r>
-              <a:rPr sz="1400"/>
-              <a:t>不可以是基本数据类型</a:t>
-            </a:r>
-            <a:endParaRPr sz="1400"/>
-          </a:p>
-          <a:p>
-            <a:pPr marL="0" indent="0">
-              <a:buNone/>
-            </a:pPr>
-            <a:r>
-              <a:rPr sz="1400"/>
-              <a:t> </a:t>
-            </a:r>
-            <a:r>
-              <a:rPr lang="en-US" altLang="zh-CN" sz="1400"/>
-              <a:t>     3.</a:t>
-            </a:r>
-            <a:r>
-              <a:rPr sz="1400"/>
-              <a:t>对象是响应式的</a:t>
-            </a:r>
-            <a:r>
-              <a:rPr lang="en-US" altLang="zh-CN" sz="1400"/>
-              <a:t>,</a:t>
-            </a:r>
-            <a:r>
-              <a:rPr sz="1400"/>
-              <a:t>但是不可以解构出来</a:t>
-            </a:r>
-            <a:r>
-              <a:rPr lang="en-US" altLang="zh-CN" sz="1400"/>
-              <a:t>,</a:t>
-            </a:r>
-            <a:r>
-              <a:rPr sz="1400"/>
-              <a:t>解构不是响应式的</a:t>
-            </a:r>
-            <a:endParaRPr sz="1400"/>
-          </a:p>
+              <a:defRPr kumimoji="0" lang="zh-CN" altLang="en-US" sz="2400" b="1" i="0" u="none" strike="noStrike" kern="1200" cap="none" spc="200" normalizeH="0" baseline="0" noProof="1" dirty="0">
+                <a:solidFill>
+                  <a:schemeClr val="accent1"/>
+                </a:solidFill>
+                <a:uFillTx/>
+                <a:latin typeface="Arial" panose="020B0604020202020204" pitchFamily="34" charset="0"/>
+                <a:ea typeface="微软雅黑" panose="020B0503020204020204" charset="-122"/>
+                <a:cs typeface="+mj-cs"/>
+                <a:sym typeface="+mn-ea"/>
+              </a:defRPr>
+            </a:lvl1pPr>
+          </a:lstStyle>
           <a:p>
             <a:r>
               <a:rPr lang="en-US" altLang="zh-CN"/>
-              <a:t>ref() </a:t>
-            </a:r>
-            <a:r>
-              <a:t>函数</a:t>
-            </a:r>
-          </a:p>
-          <a:p>
+              <a:t>setup</a:t>
+            </a:r>
+            <a:r>
+              <a:t>传入</a:t>
+            </a:r>
             <a:r>
               <a:rPr lang="en-US" altLang="zh-CN"/>
-              <a:t> </a:t>
-            </a:r>
-            <a:r>
-              <a:rPr lang="en-US" altLang="zh-CN" sz="1400"/>
-              <a:t>  1.</a:t>
-            </a:r>
-            <a:r>
-              <a:rPr sz="1400"/>
-              <a:t>接收基本数据类型</a:t>
-            </a:r>
-            <a:r>
-              <a:rPr lang="en-US" altLang="zh-CN" sz="1400"/>
-              <a:t>,</a:t>
-            </a:r>
-            <a:r>
-              <a:rPr sz="1400"/>
-              <a:t>然后返回一个响应类的实例</a:t>
-            </a:r>
-            <a:r>
-              <a:rPr lang="en-US" altLang="zh-CN" sz="1400"/>
-              <a:t> </a:t>
-            </a:r>
-            <a:endParaRPr lang="en-US" altLang="zh-CN" sz="1400"/>
-          </a:p>
-          <a:p>
-            <a:pPr marL="0" indent="0">
-              <a:buNone/>
-            </a:pPr>
-            <a:r>
-              <a:rPr lang="en-US" altLang="zh-CN" sz="1400"/>
-              <a:t>        refImpl: {value:basicParams}</a:t>
-            </a:r>
-            <a:endParaRPr lang="en-US" altLang="zh-CN" sz="1400"/>
-          </a:p>
-          <a:p>
-            <a:pPr marL="0" indent="0">
-              <a:buNone/>
-            </a:pPr>
-            <a:r>
-              <a:rPr lang="en-US" altLang="zh-CN" sz="1400"/>
-              <a:t>       </a:t>
-            </a:r>
-            <a:r>
-              <a:rPr sz="1400"/>
-              <a:t>对这个</a:t>
-            </a:r>
-            <a:r>
-              <a:rPr lang="en-US" altLang="zh-CN" sz="1400"/>
-              <a:t>value</a:t>
-            </a:r>
-            <a:r>
-              <a:rPr sz="1400"/>
-              <a:t>定义了</a:t>
-            </a:r>
-            <a:r>
-              <a:rPr lang="en-US" altLang="zh-CN" sz="1400"/>
-              <a:t>set get </a:t>
-            </a:r>
-            <a:r>
-              <a:rPr sz="1400"/>
-              <a:t>存取器</a:t>
-            </a:r>
-            <a:r>
-              <a:rPr lang="en-US" altLang="zh-CN" sz="1400"/>
-              <a:t> </a:t>
-            </a:r>
-            <a:endParaRPr lang="en-US" altLang="zh-CN" sz="1400"/>
-          </a:p>
-          <a:p>
-            <a:pPr marL="0" indent="0">
-              <a:buNone/>
-            </a:pPr>
-            <a:r>
-              <a:rPr lang="en-US" altLang="zh-CN" sz="1400"/>
-              <a:t>      2.</a:t>
-            </a:r>
-            <a:r>
-              <a:rPr sz="1400"/>
-              <a:t>接收引用数据类型</a:t>
-            </a:r>
-            <a:r>
-              <a:rPr lang="en-US" altLang="zh-CN" sz="1400"/>
-              <a:t>  </a:t>
-            </a:r>
-            <a:r>
-              <a:rPr sz="1400"/>
-              <a:t>把这个类型用</a:t>
-            </a:r>
-            <a:r>
-              <a:rPr lang="en-US" altLang="zh-CN" sz="1400"/>
-              <a:t>reactive</a:t>
-            </a:r>
-            <a:r>
-              <a:rPr sz="1400"/>
-              <a:t>函数转化后</a:t>
-            </a:r>
-            <a:r>
-              <a:rPr lang="en-US" altLang="zh-CN" sz="1400"/>
-              <a:t> </a:t>
-            </a:r>
-            <a:r>
-              <a:rPr sz="1400"/>
-              <a:t>继续包装成</a:t>
-            </a:r>
-            <a:r>
-              <a:rPr lang="en-US" altLang="zh-CN" sz="1400">
-                <a:sym typeface="+mn-ea"/>
-              </a:rPr>
-              <a:t>refImpl</a:t>
-            </a:r>
-            <a:r>
-              <a:rPr sz="1400">
-                <a:sym typeface="+mn-ea"/>
-              </a:rPr>
-              <a:t>类的形式</a:t>
-            </a:r>
-            <a:endParaRPr sz="1400">
-              <a:sym typeface="+mn-ea"/>
-            </a:endParaRPr>
+              <a:t>props</a:t>
+            </a:r>
+            <a:endParaRPr lang="en-US" altLang="zh-CN"/>
           </a:p>
         </p:txBody>
       </p:sp>
     </p:spTree>
     <p:custDataLst>
-      <p:tags r:id="rId1"/>
+      <p:tags r:id="rId3"/>
     </p:custDataLst>
   </p:cSld>
   <p:clrMapOvr>
@@ -24933,7 +26102,7 @@
         </p:nvSpPr>
         <p:spPr>
           <a:xfrm>
-            <a:off x="502412" y="835981"/>
+            <a:off x="467487" y="764226"/>
             <a:ext cx="8139178" cy="331473"/>
           </a:xfrm>
         </p:spPr>
@@ -24941,30 +26110,19 @@
           <a:bodyPr/>
           <a:p>
             <a:r>
-              <a:rPr lang="en-US" altLang="zh-CN">
-                <a:sym typeface="+mn-ea"/>
-              </a:rPr>
+              <a:rPr lang="en-US" altLang="zh-CN"/>
               <a:t>setup</a:t>
             </a:r>
             <a:r>
-              <a:rPr>
-                <a:sym typeface="+mn-ea"/>
-              </a:rPr>
               <a:t>替代</a:t>
             </a:r>
             <a:r>
-              <a:rPr lang="en-US" altLang="zh-CN">
-                <a:sym typeface="+mn-ea"/>
-              </a:rPr>
-              <a:t>computed</a:t>
-            </a:r>
-            <a:r>
-              <a:rPr>
-                <a:sym typeface="+mn-ea"/>
-              </a:rPr>
+              <a:rPr lang="en-US" altLang="zh-CN"/>
+              <a:t>data</a:t>
+            </a:r>
+            <a:r>
               <a:t>选项</a:t>
             </a:r>
-            <a:endParaRPr lang="zh-CN" altLang="en-US"/>
           </a:p>
         </p:txBody>
       </p:sp>
@@ -24984,95 +26142,264 @@
           <a:p>
             <a:r>
               <a:rPr lang="en-US" altLang="zh-CN"/>
-              <a:t>computed()</a:t>
+              <a:t>reactive() </a:t>
             </a:r>
             <a:r>
               <a:t>函数</a:t>
             </a:r>
-          </a:p>
-          <a:p>
-            <a:r>
-              <a:t>返回一个不可变的</a:t>
-            </a:r>
-            <a:r>
-              <a:rPr lang="en-US" altLang="zh-CN"/>
-              <a:t>ref</a:t>
-            </a:r>
-            <a:r>
-              <a:t>对象</a:t>
-            </a:r>
-          </a:p>
-          <a:p>
-            <a:r>
-              <a:t>和之前</a:t>
-            </a:r>
-            <a:r>
-              <a:rPr lang="en-US" altLang="zh-CN"/>
-              <a:t>computed</a:t>
-            </a:r>
-            <a:r>
-              <a:t>一样</a:t>
-            </a:r>
-            <a:r>
-              <a:rPr lang="en-US" altLang="zh-CN"/>
-              <a:t> </a:t>
-            </a:r>
-            <a:r>
-              <a:t>也可以设置</a:t>
-            </a:r>
-            <a:r>
-              <a:rPr lang="en-US" altLang="zh-CN"/>
-              <a:t>setter</a:t>
-            </a:r>
-            <a:endParaRPr lang="en-US" altLang="zh-CN"/>
           </a:p>
           <a:p>
             <a:pPr marL="0" indent="0">
               <a:buNone/>
             </a:pPr>
             <a:r>
-              <a:rPr lang="en-US" altLang="zh-CN"/>
-              <a:t>  computed( ( ) =&gt; count.value )</a:t>
-            </a:r>
-            <a:endParaRPr lang="en-US" altLang="zh-CN"/>
+              <a:rPr lang="en-US" altLang="zh-CN" sz="1400"/>
+              <a:t>      1.</a:t>
+            </a:r>
+            <a:r>
+              <a:rPr sz="1400"/>
+              <a:t>接收一个对象</a:t>
+            </a:r>
+            <a:r>
+              <a:rPr lang="en-US" altLang="zh-CN" sz="1400"/>
+              <a:t> </a:t>
+            </a:r>
+            <a:r>
+              <a:rPr sz="1400"/>
+              <a:t>返回对象的响应式代理</a:t>
+            </a:r>
+            <a:r>
+              <a:rPr lang="en-US" altLang="zh-CN" sz="1400"/>
+              <a:t> </a:t>
+            </a:r>
+            <a:r>
+              <a:rPr sz="1400"/>
+              <a:t>用的是</a:t>
+            </a:r>
+            <a:r>
+              <a:rPr lang="en-US" altLang="zh-CN" sz="1400"/>
+              <a:t>Proxy</a:t>
+            </a:r>
+            <a:endParaRPr lang="en-US" altLang="zh-CN" sz="1400"/>
           </a:p>
           <a:p>
             <a:pPr marL="0" indent="0">
               <a:buNone/>
             </a:pPr>
-            <a:endParaRPr lang="en-US" altLang="zh-CN"/>
+            <a:r>
+              <a:rPr lang="en-US" altLang="zh-CN" sz="1400"/>
+              <a:t>      2.</a:t>
+            </a:r>
+            <a:r>
+              <a:rPr sz="1400"/>
+              <a:t>只能接收对象</a:t>
+            </a:r>
+            <a:r>
+              <a:rPr lang="en-US" altLang="zh-CN" sz="1400"/>
+              <a:t>,</a:t>
+            </a:r>
+            <a:r>
+              <a:rPr sz="1400"/>
+              <a:t>不可以是基本数据类型</a:t>
+            </a:r>
+            <a:endParaRPr sz="1400"/>
           </a:p>
           <a:p>
             <a:pPr marL="0" indent="0">
               <a:buNone/>
             </a:pPr>
             <a:r>
+              <a:rPr sz="1400"/>
+              <a:t> </a:t>
+            </a:r>
+            <a:r>
+              <a:rPr lang="en-US" altLang="zh-CN" sz="1400"/>
+              <a:t>     3.</a:t>
+            </a:r>
+            <a:r>
+              <a:rPr sz="1400"/>
+              <a:t>对象是响应式的</a:t>
+            </a:r>
+            <a:r>
+              <a:rPr lang="en-US" altLang="zh-CN" sz="1400"/>
+              <a:t>,</a:t>
+            </a:r>
+            <a:r>
+              <a:rPr sz="1400"/>
+              <a:t>但是不可以解构出来</a:t>
+            </a:r>
+            <a:r>
+              <a:rPr lang="en-US" altLang="zh-CN" sz="1400"/>
+              <a:t>,</a:t>
+            </a:r>
+            <a:r>
+              <a:rPr sz="1400"/>
+              <a:t>解构不是响应式的</a:t>
+            </a:r>
+            <a:endParaRPr sz="1400"/>
+          </a:p>
+          <a:p>
+            <a:r>
               <a:rPr lang="en-US" altLang="zh-CN"/>
-              <a:t>  computed( { ( ) =&gt; c</a:t>
-            </a:r>
-            <a:r>
-              <a:rPr lang="en-US" altLang="zh-CN">
+              <a:t>ref() </a:t>
+            </a:r>
+            <a:r>
+              <a:t>函数</a:t>
+            </a:r>
+            <a:r>
+              <a:rPr lang="en-US" altLang="zh-CN"/>
+              <a:t>   ref: reactive </a:t>
+            </a:r>
+            <a:r>
+              <a:rPr lang="en-US" altLang="zh-CN" b="1">
+                <a:solidFill>
+                  <a:srgbClr val="FF0000"/>
+                </a:solidFill>
+              </a:rPr>
+              <a:t>ref</a:t>
+            </a:r>
+            <a:r>
+              <a:rPr lang="en-US" altLang="zh-CN"/>
+              <a:t>erence </a:t>
+            </a:r>
+            <a:r>
+              <a:t>响应式引用</a:t>
+            </a:r>
+            <a:r>
+              <a:rPr lang="en-US" altLang="zh-CN"/>
+              <a:t>==&gt;</a:t>
+            </a:r>
+            <a:r>
+              <a:t>模板引用</a:t>
+            </a:r>
+            <a:r>
+              <a:rPr lang="en-US" altLang="zh-CN"/>
+              <a:t>ref</a:t>
+            </a:r>
+            <a:endParaRPr lang="en-US" altLang="zh-CN" b="1"/>
+          </a:p>
+          <a:p>
+            <a:r>
+              <a:rPr lang="en-US" altLang="zh-CN"/>
+              <a:t> </a:t>
+            </a:r>
+            <a:r>
+              <a:rPr lang="en-US" altLang="zh-CN" sz="1400"/>
+              <a:t>  1.</a:t>
+            </a:r>
+            <a:r>
+              <a:rPr sz="1400"/>
+              <a:t>接收基本数据类型</a:t>
+            </a:r>
+            <a:r>
+              <a:rPr lang="en-US" altLang="zh-CN" sz="1400"/>
+              <a:t>,</a:t>
+            </a:r>
+            <a:r>
+              <a:rPr sz="1400"/>
+              <a:t>然后返回一个响应类的实例</a:t>
+            </a:r>
+            <a:r>
+              <a:rPr lang="en-US" altLang="zh-CN" sz="1400"/>
+              <a:t> </a:t>
+            </a:r>
+            <a:endParaRPr lang="en-US" altLang="zh-CN" sz="1400"/>
+          </a:p>
+          <a:p>
+            <a:pPr marL="0" indent="0">
+              <a:buNone/>
+            </a:pPr>
+            <a:r>
+              <a:rPr lang="en-US" altLang="zh-CN" sz="1400"/>
+              <a:t>        refImpl: {value:basicParams}</a:t>
+            </a:r>
+            <a:endParaRPr lang="en-US" altLang="zh-CN" sz="1400"/>
+          </a:p>
+          <a:p>
+            <a:pPr marL="0" indent="0">
+              <a:buNone/>
+            </a:pPr>
+            <a:r>
+              <a:rPr lang="en-US" altLang="zh-CN" sz="1400"/>
+              <a:t>       </a:t>
+            </a:r>
+            <a:r>
+              <a:rPr sz="1400"/>
+              <a:t>对这个</a:t>
+            </a:r>
+            <a:r>
+              <a:rPr lang="en-US" altLang="zh-CN" sz="1400"/>
+              <a:t>value</a:t>
+            </a:r>
+            <a:r>
+              <a:rPr sz="1400"/>
+              <a:t>定义了</a:t>
+            </a:r>
+            <a:r>
+              <a:rPr lang="en-US" altLang="zh-CN" sz="1400"/>
+              <a:t>set get </a:t>
+            </a:r>
+            <a:r>
+              <a:rPr sz="1400"/>
+              <a:t>存取器</a:t>
+            </a:r>
+            <a:r>
+              <a:rPr lang="en-US" altLang="zh-CN" sz="1400"/>
+              <a:t> </a:t>
+            </a:r>
+            <a:endParaRPr lang="en-US" altLang="zh-CN" sz="1400"/>
+          </a:p>
+          <a:p>
+            <a:pPr marL="0" indent="0">
+              <a:buNone/>
+            </a:pPr>
+            <a:r>
+              <a:rPr lang="en-US" altLang="zh-CN" sz="1400"/>
+              <a:t>      2.</a:t>
+            </a:r>
+            <a:r>
+              <a:rPr sz="1400"/>
+              <a:t>接收引用数据类型</a:t>
+            </a:r>
+            <a:r>
+              <a:rPr lang="en-US" altLang="zh-CN" sz="1400"/>
+              <a:t>  </a:t>
+            </a:r>
+            <a:r>
+              <a:rPr sz="1400"/>
+              <a:t>把这个类型用</a:t>
+            </a:r>
+            <a:r>
+              <a:rPr lang="en-US" altLang="zh-CN" sz="1400"/>
+              <a:t>reactive</a:t>
+            </a:r>
+            <a:r>
+              <a:rPr sz="1400"/>
+              <a:t>函数转化后</a:t>
+            </a:r>
+            <a:r>
+              <a:rPr lang="en-US" altLang="zh-CN" sz="1400"/>
+              <a:t> </a:t>
+            </a:r>
+            <a:r>
+              <a:rPr sz="1400"/>
+              <a:t>继续包装成</a:t>
+            </a:r>
+            <a:r>
+              <a:rPr lang="en-US" altLang="zh-CN" sz="1400">
                 <a:sym typeface="+mn-ea"/>
               </a:rPr>
-              <a:t>ount.value , (val) =&gt; { c</a:t>
-            </a:r>
-            <a:r>
-              <a:rPr lang="en-US" altLang="zh-CN">
+              <a:t>refImpl</a:t>
+            </a:r>
+            <a:r>
+              <a:rPr sz="1400">
                 <a:sym typeface="+mn-ea"/>
               </a:rPr>
-              <a:t>ount.value = val </a:t>
-            </a:r>
-            <a:r>
-              <a:rPr lang="en-US" altLang="zh-CN">
-                <a:sym typeface="+mn-ea"/>
-              </a:rPr>
-              <a:t>} </a:t>
-            </a:r>
-            <a:r>
-              <a:rPr lang="en-US" altLang="zh-CN"/>
-              <a:t>} )</a:t>
-            </a:r>
-            <a:endParaRPr lang="en-US" altLang="zh-CN"/>
+              <a:t>类的形式</a:t>
+            </a:r>
+            <a:endParaRPr sz="1400">
+              <a:sym typeface="+mn-ea"/>
+            </a:endParaRPr>
           </a:p>
         </p:txBody>
       </p:sp>
@@ -26791,6 +28118,30 @@
 </file>
 
 <file path=ppt/tags/tag202.xml><?xml version="1.0" encoding="utf-8"?>
+<p:tagLst xmlns:p="http://schemas.openxmlformats.org/presentationml/2006/main">
+  <p:tag name="KSO_WM_UNIT_PLACING_PICTURE_USER_VIEWPORT" val="{&quot;height&quot;:6365,&quot;width&quot;:9814}"/>
+</p:tagLst>
+</file>
+
+<file path=ppt/tags/tag203.xml><?xml version="1.0" encoding="utf-8"?>
+<p:tagLst xmlns:p="http://schemas.openxmlformats.org/presentationml/2006/main">
+  <p:tag name="KSO_WM_BEAUTIFY_FLAG" val="#wm#"/>
+  <p:tag name="KSO_WM_TEMPLATE_CATEGORY" val="custom"/>
+  <p:tag name="KSO_WM_TEMPLATE_INDEX" val="20206915"/>
+  <p:tag name="KSO_WM_SPECIAL_SOURCE" val="bdnull"/>
+</p:tagLst>
+</file>
+
+<file path=ppt/tags/tag204.xml><?xml version="1.0" encoding="utf-8"?>
+<p:tagLst xmlns:p="http://schemas.openxmlformats.org/presentationml/2006/main">
+  <p:tag name="KSO_WM_BEAUTIFY_FLAG" val="#wm#"/>
+  <p:tag name="KSO_WM_TEMPLATE_CATEGORY" val="custom"/>
+  <p:tag name="KSO_WM_TEMPLATE_INDEX" val="20206915"/>
+  <p:tag name="KSO_WM_SPECIAL_SOURCE" val="bdnull"/>
+</p:tagLst>
+</file>
+
+<file path=ppt/tags/tag205.xml><?xml version="1.0" encoding="utf-8"?>
 <p:tagLst xmlns:p="http://schemas.openxmlformats.org/presentationml/2006/main">
   <p:tag name="KSO_DOCER_TEMPLATE_OPEN_ONCE_MARK" val="1"/>
 </p:tagLst>
